--- a/rough-diag.pptx
+++ b/rough-diag.pptx
@@ -14,6 +14,10 @@
     <p:sldId id="262" r:id="rId8"/>
     <p:sldId id="263" r:id="rId9"/>
     <p:sldId id="264" r:id="rId10"/>
+    <p:sldId id="268" r:id="rId11"/>
+    <p:sldId id="265" r:id="rId12"/>
+    <p:sldId id="267" r:id="rId13"/>
+    <p:sldId id="266" r:id="rId14"/>
   </p:sldIdLst>
   <p:sldSz cx="9144000" cy="5715000" type="screen16x10"/>
   <p:notesSz cx="6858000" cy="9144000"/>
@@ -296,7 +300,8 @@
           <a:p>
             <a:fld id="{AE403BC5-5C0F-4163-824D-C6C3BA849895}" type="datetimeFigureOut">
               <a:rPr lang="en-US" smtClean="0"/>
-              <a:t>4/22/2019</a:t>
+              <a:pPr/>
+              <a:t>4/24/2019</a:t>
             </a:fld>
             <a:endParaRPr lang="en-US"/>
           </a:p>
@@ -338,6 +343,7 @@
           <a:p>
             <a:fld id="{DC4CF65C-2CFC-4A6D-A131-A4AA6C3617F2}" type="slidenum">
               <a:rPr lang="en-US" smtClean="0"/>
+              <a:pPr/>
               <a:t>‹#›</a:t>
             </a:fld>
             <a:endParaRPr lang="en-US"/>
@@ -461,7 +467,8 @@
           <a:p>
             <a:fld id="{AE403BC5-5C0F-4163-824D-C6C3BA849895}" type="datetimeFigureOut">
               <a:rPr lang="en-US" smtClean="0"/>
-              <a:t>4/22/2019</a:t>
+              <a:pPr/>
+              <a:t>4/24/2019</a:t>
             </a:fld>
             <a:endParaRPr lang="en-US"/>
           </a:p>
@@ -503,6 +510,7 @@
           <a:p>
             <a:fld id="{DC4CF65C-2CFC-4A6D-A131-A4AA6C3617F2}" type="slidenum">
               <a:rPr lang="en-US" smtClean="0"/>
+              <a:pPr/>
               <a:t>‹#›</a:t>
             </a:fld>
             <a:endParaRPr lang="en-US"/>
@@ -636,7 +644,8 @@
           <a:p>
             <a:fld id="{AE403BC5-5C0F-4163-824D-C6C3BA849895}" type="datetimeFigureOut">
               <a:rPr lang="en-US" smtClean="0"/>
-              <a:t>4/22/2019</a:t>
+              <a:pPr/>
+              <a:t>4/24/2019</a:t>
             </a:fld>
             <a:endParaRPr lang="en-US"/>
           </a:p>
@@ -678,6 +687,7 @@
           <a:p>
             <a:fld id="{DC4CF65C-2CFC-4A6D-A131-A4AA6C3617F2}" type="slidenum">
               <a:rPr lang="en-US" smtClean="0"/>
+              <a:pPr/>
               <a:t>‹#›</a:t>
             </a:fld>
             <a:endParaRPr lang="en-US"/>
@@ -801,7 +811,8 @@
           <a:p>
             <a:fld id="{AE403BC5-5C0F-4163-824D-C6C3BA849895}" type="datetimeFigureOut">
               <a:rPr lang="en-US" smtClean="0"/>
-              <a:t>4/22/2019</a:t>
+              <a:pPr/>
+              <a:t>4/24/2019</a:t>
             </a:fld>
             <a:endParaRPr lang="en-US"/>
           </a:p>
@@ -843,6 +854,7 @@
           <a:p>
             <a:fld id="{DC4CF65C-2CFC-4A6D-A131-A4AA6C3617F2}" type="slidenum">
               <a:rPr lang="en-US" smtClean="0"/>
+              <a:pPr/>
               <a:t>‹#›</a:t>
             </a:fld>
             <a:endParaRPr lang="en-US"/>
@@ -1042,7 +1054,8 @@
           <a:p>
             <a:fld id="{AE403BC5-5C0F-4163-824D-C6C3BA849895}" type="datetimeFigureOut">
               <a:rPr lang="en-US" smtClean="0"/>
-              <a:t>4/22/2019</a:t>
+              <a:pPr/>
+              <a:t>4/24/2019</a:t>
             </a:fld>
             <a:endParaRPr lang="en-US"/>
           </a:p>
@@ -1084,6 +1097,7 @@
           <a:p>
             <a:fld id="{DC4CF65C-2CFC-4A6D-A131-A4AA6C3617F2}" type="slidenum">
               <a:rPr lang="en-US" smtClean="0"/>
+              <a:pPr/>
               <a:t>‹#›</a:t>
             </a:fld>
             <a:endParaRPr lang="en-US"/>
@@ -1325,7 +1339,8 @@
           <a:p>
             <a:fld id="{AE403BC5-5C0F-4163-824D-C6C3BA849895}" type="datetimeFigureOut">
               <a:rPr lang="en-US" smtClean="0"/>
-              <a:t>4/22/2019</a:t>
+              <a:pPr/>
+              <a:t>4/24/2019</a:t>
             </a:fld>
             <a:endParaRPr lang="en-US"/>
           </a:p>
@@ -1367,6 +1382,7 @@
           <a:p>
             <a:fld id="{DC4CF65C-2CFC-4A6D-A131-A4AA6C3617F2}" type="slidenum">
               <a:rPr lang="en-US" smtClean="0"/>
+              <a:pPr/>
               <a:t>‹#›</a:t>
             </a:fld>
             <a:endParaRPr lang="en-US"/>
@@ -1742,7 +1758,8 @@
           <a:p>
             <a:fld id="{AE403BC5-5C0F-4163-824D-C6C3BA849895}" type="datetimeFigureOut">
               <a:rPr lang="en-US" smtClean="0"/>
-              <a:t>4/22/2019</a:t>
+              <a:pPr/>
+              <a:t>4/24/2019</a:t>
             </a:fld>
             <a:endParaRPr lang="en-US"/>
           </a:p>
@@ -1784,6 +1801,7 @@
           <a:p>
             <a:fld id="{DC4CF65C-2CFC-4A6D-A131-A4AA6C3617F2}" type="slidenum">
               <a:rPr lang="en-US" smtClean="0"/>
+              <a:pPr/>
               <a:t>‹#›</a:t>
             </a:fld>
             <a:endParaRPr lang="en-US"/>
@@ -1855,7 +1873,8 @@
           <a:p>
             <a:fld id="{AE403BC5-5C0F-4163-824D-C6C3BA849895}" type="datetimeFigureOut">
               <a:rPr lang="en-US" smtClean="0"/>
-              <a:t>4/22/2019</a:t>
+              <a:pPr/>
+              <a:t>4/24/2019</a:t>
             </a:fld>
             <a:endParaRPr lang="en-US"/>
           </a:p>
@@ -1897,6 +1916,7 @@
           <a:p>
             <a:fld id="{DC4CF65C-2CFC-4A6D-A131-A4AA6C3617F2}" type="slidenum">
               <a:rPr lang="en-US" smtClean="0"/>
+              <a:pPr/>
               <a:t>‹#›</a:t>
             </a:fld>
             <a:endParaRPr lang="en-US"/>
@@ -1945,7 +1965,8 @@
           <a:p>
             <a:fld id="{AE403BC5-5C0F-4163-824D-C6C3BA849895}" type="datetimeFigureOut">
               <a:rPr lang="en-US" smtClean="0"/>
-              <a:t>4/22/2019</a:t>
+              <a:pPr/>
+              <a:t>4/24/2019</a:t>
             </a:fld>
             <a:endParaRPr lang="en-US"/>
           </a:p>
@@ -1987,6 +2008,7 @@
           <a:p>
             <a:fld id="{DC4CF65C-2CFC-4A6D-A131-A4AA6C3617F2}" type="slidenum">
               <a:rPr lang="en-US" smtClean="0"/>
+              <a:pPr/>
               <a:t>‹#›</a:t>
             </a:fld>
             <a:endParaRPr lang="en-US"/>
@@ -2217,7 +2239,8 @@
           <a:p>
             <a:fld id="{AE403BC5-5C0F-4163-824D-C6C3BA849895}" type="datetimeFigureOut">
               <a:rPr lang="en-US" smtClean="0"/>
-              <a:t>4/22/2019</a:t>
+              <a:pPr/>
+              <a:t>4/24/2019</a:t>
             </a:fld>
             <a:endParaRPr lang="en-US"/>
           </a:p>
@@ -2259,6 +2282,7 @@
           <a:p>
             <a:fld id="{DC4CF65C-2CFC-4A6D-A131-A4AA6C3617F2}" type="slidenum">
               <a:rPr lang="en-US" smtClean="0"/>
+              <a:pPr/>
               <a:t>‹#›</a:t>
             </a:fld>
             <a:endParaRPr lang="en-US"/>
@@ -2465,7 +2489,8 @@
           <a:p>
             <a:fld id="{AE403BC5-5C0F-4163-824D-C6C3BA849895}" type="datetimeFigureOut">
               <a:rPr lang="en-US" smtClean="0"/>
-              <a:t>4/22/2019</a:t>
+              <a:pPr/>
+              <a:t>4/24/2019</a:t>
             </a:fld>
             <a:endParaRPr lang="en-US"/>
           </a:p>
@@ -2507,6 +2532,7 @@
           <a:p>
             <a:fld id="{DC4CF65C-2CFC-4A6D-A131-A4AA6C3617F2}" type="slidenum">
               <a:rPr lang="en-US" smtClean="0"/>
+              <a:pPr/>
               <a:t>‹#›</a:t>
             </a:fld>
             <a:endParaRPr lang="en-US"/>
@@ -2673,7 +2699,8 @@
           <a:p>
             <a:fld id="{AE403BC5-5C0F-4163-824D-C6C3BA849895}" type="datetimeFigureOut">
               <a:rPr lang="en-US" smtClean="0"/>
-              <a:t>4/22/2019</a:t>
+              <a:pPr/>
+              <a:t>4/24/2019</a:t>
             </a:fld>
             <a:endParaRPr lang="en-US"/>
           </a:p>
@@ -2751,6 +2778,7 @@
           <a:p>
             <a:fld id="{DC4CF65C-2CFC-4A6D-A131-A4AA6C3617F2}" type="slidenum">
               <a:rPr lang="en-US" smtClean="0"/>
+              <a:pPr/>
               <a:t>‹#›</a:t>
             </a:fld>
             <a:endParaRPr lang="en-US"/>
@@ -3637,6 +3665,2620 @@
             <a:r>
               <a:rPr lang="en-US" dirty="0" smtClean="0"/>
               <a:t> version</a:t>
+            </a:r>
+            <a:endParaRPr lang="en-US" dirty="0"/>
+          </a:p>
+        </p:txBody>
+      </p:sp>
+    </p:spTree>
+  </p:cSld>
+  <p:clrMapOvr>
+    <a:masterClrMapping/>
+  </p:clrMapOvr>
+</p:sld>
+</file>
+
+<file path=ppt/slides/slide10.xml><?xml version="1.0" encoding="utf-8"?>
+<p:sld xmlns:a="http://schemas.openxmlformats.org/drawingml/2006/main" xmlns:r="http://schemas.openxmlformats.org/officeDocument/2006/relationships" xmlns:p="http://schemas.openxmlformats.org/presentationml/2006/main">
+  <p:cSld>
+    <p:spTree>
+      <p:nvGrpSpPr>
+        <p:cNvPr id="1" name=""/>
+        <p:cNvGrpSpPr/>
+        <p:nvPr/>
+      </p:nvGrpSpPr>
+      <p:grpSpPr>
+        <a:xfrm>
+          <a:off x="0" y="0"/>
+          <a:ext cx="0" cy="0"/>
+          <a:chOff x="0" y="0"/>
+          <a:chExt cx="0" cy="0"/>
+        </a:xfrm>
+      </p:grpSpPr>
+      <p:sp>
+        <p:nvSpPr>
+          <p:cNvPr id="2" name="Oval 1"/>
+          <p:cNvSpPr/>
+          <p:nvPr/>
+        </p:nvSpPr>
+        <p:spPr>
+          <a:xfrm>
+            <a:off x="5486400" y="1485900"/>
+            <a:ext cx="2057400" cy="2667000"/>
+          </a:xfrm>
+          <a:prstGeom prst="ellipse">
+            <a:avLst/>
+          </a:prstGeom>
+        </p:spPr>
+        <p:style>
+          <a:lnRef idx="2">
+            <a:schemeClr val="accent1">
+              <a:shade val="50000"/>
+            </a:schemeClr>
+          </a:lnRef>
+          <a:fillRef idx="1">
+            <a:schemeClr val="accent1"/>
+          </a:fillRef>
+          <a:effectRef idx="0">
+            <a:schemeClr val="accent1"/>
+          </a:effectRef>
+          <a:fontRef idx="minor">
+            <a:schemeClr val="lt1"/>
+          </a:fontRef>
+        </p:style>
+        <p:txBody>
+          <a:bodyPr rtlCol="0" anchor="ctr"/>
+          <a:lstStyle/>
+          <a:p>
+            <a:pPr algn="ctr"/>
+            <a:r>
+              <a:rPr lang="en-US" dirty="0" err="1" smtClean="0"/>
+              <a:t>Mysql</a:t>
+            </a:r>
+            <a:r>
+              <a:rPr lang="en-US" dirty="0" smtClean="0"/>
+              <a:t>:</a:t>
+            </a:r>
+          </a:p>
+          <a:p>
+            <a:pPr algn="ctr"/>
+            <a:r>
+              <a:rPr lang="en-US" dirty="0" smtClean="0"/>
+              <a:t>3306</a:t>
+            </a:r>
+            <a:endParaRPr lang="en-US" dirty="0"/>
+          </a:p>
+        </p:txBody>
+      </p:sp>
+      <p:sp>
+        <p:nvSpPr>
+          <p:cNvPr id="3" name="Oval 2"/>
+          <p:cNvSpPr/>
+          <p:nvPr/>
+        </p:nvSpPr>
+        <p:spPr>
+          <a:xfrm>
+            <a:off x="1524000" y="1485900"/>
+            <a:ext cx="1981200" cy="2743200"/>
+          </a:xfrm>
+          <a:prstGeom prst="ellipse">
+            <a:avLst/>
+          </a:prstGeom>
+        </p:spPr>
+        <p:style>
+          <a:lnRef idx="2">
+            <a:schemeClr val="accent1">
+              <a:shade val="50000"/>
+            </a:schemeClr>
+          </a:lnRef>
+          <a:fillRef idx="1">
+            <a:schemeClr val="accent1"/>
+          </a:fillRef>
+          <a:effectRef idx="0">
+            <a:schemeClr val="accent1"/>
+          </a:effectRef>
+          <a:fontRef idx="minor">
+            <a:schemeClr val="lt1"/>
+          </a:fontRef>
+        </p:style>
+        <p:txBody>
+          <a:bodyPr rtlCol="0" anchor="ctr"/>
+          <a:lstStyle/>
+          <a:p>
+            <a:pPr algn="ctr"/>
+            <a:r>
+              <a:rPr lang="en-US" dirty="0" smtClean="0"/>
+              <a:t>Ghost</a:t>
+            </a:r>
+          </a:p>
+          <a:p>
+            <a:pPr algn="ctr"/>
+            <a:r>
+              <a:rPr lang="en-US" dirty="0" smtClean="0"/>
+              <a:t>2368</a:t>
+            </a:r>
+          </a:p>
+          <a:p>
+            <a:pPr algn="ctr"/>
+            <a:r>
+              <a:rPr lang="en-US" dirty="0" smtClean="0"/>
+              <a:t>db-svc:8888</a:t>
+            </a:r>
+            <a:endParaRPr lang="en-US" dirty="0" smtClean="0"/>
+          </a:p>
+          <a:p>
+            <a:pPr algn="ctr"/>
+            <a:endParaRPr lang="en-US" dirty="0" smtClean="0"/>
+          </a:p>
+          <a:p>
+            <a:pPr algn="ctr"/>
+            <a:endParaRPr lang="en-US" dirty="0"/>
+          </a:p>
+        </p:txBody>
+      </p:sp>
+      <p:sp>
+        <p:nvSpPr>
+          <p:cNvPr id="4" name="Rectangle 3"/>
+          <p:cNvSpPr/>
+          <p:nvPr/>
+        </p:nvSpPr>
+        <p:spPr>
+          <a:xfrm>
+            <a:off x="381000" y="419100"/>
+            <a:ext cx="8001000" cy="4953000"/>
+          </a:xfrm>
+          <a:prstGeom prst="rect">
+            <a:avLst/>
+          </a:prstGeom>
+          <a:noFill/>
+        </p:spPr>
+        <p:style>
+          <a:lnRef idx="2">
+            <a:schemeClr val="accent1">
+              <a:shade val="50000"/>
+            </a:schemeClr>
+          </a:lnRef>
+          <a:fillRef idx="1">
+            <a:schemeClr val="accent1"/>
+          </a:fillRef>
+          <a:effectRef idx="0">
+            <a:schemeClr val="accent1"/>
+          </a:effectRef>
+          <a:fontRef idx="minor">
+            <a:schemeClr val="lt1"/>
+          </a:fontRef>
+        </p:style>
+        <p:txBody>
+          <a:bodyPr rtlCol="0" anchor="ctr"/>
+          <a:lstStyle/>
+          <a:p>
+            <a:pPr algn="ctr"/>
+            <a:endParaRPr lang="en-US"/>
+          </a:p>
+        </p:txBody>
+      </p:sp>
+      <p:sp>
+        <p:nvSpPr>
+          <p:cNvPr id="5" name="TextBox 4"/>
+          <p:cNvSpPr txBox="1"/>
+          <p:nvPr/>
+        </p:nvSpPr>
+        <p:spPr>
+          <a:xfrm>
+            <a:off x="381000" y="419100"/>
+            <a:ext cx="2645532" cy="369332"/>
+          </a:xfrm>
+          <a:prstGeom prst="rect">
+            <a:avLst/>
+          </a:prstGeom>
+          <a:noFill/>
+        </p:spPr>
+        <p:txBody>
+          <a:bodyPr wrap="none" rtlCol="0">
+            <a:spAutoFit/>
+          </a:bodyPr>
+          <a:lstStyle/>
+          <a:p>
+            <a:r>
+              <a:rPr lang="en-US" dirty="0" err="1" smtClean="0"/>
+              <a:t>Minikube</a:t>
+            </a:r>
+            <a:r>
+              <a:rPr lang="en-US" dirty="0" smtClean="0"/>
+              <a:t>: 192.168.99.100</a:t>
+            </a:r>
+            <a:endParaRPr lang="en-US" dirty="0"/>
+          </a:p>
+        </p:txBody>
+      </p:sp>
+      <p:sp>
+        <p:nvSpPr>
+          <p:cNvPr id="6" name="Rectangle 5"/>
+          <p:cNvSpPr/>
+          <p:nvPr/>
+        </p:nvSpPr>
+        <p:spPr>
+          <a:xfrm>
+            <a:off x="1143000" y="1257300"/>
+            <a:ext cx="2667000" cy="3352800"/>
+          </a:xfrm>
+          <a:prstGeom prst="rect">
+            <a:avLst/>
+          </a:prstGeom>
+          <a:noFill/>
+        </p:spPr>
+        <p:style>
+          <a:lnRef idx="2">
+            <a:schemeClr val="accent1">
+              <a:shade val="50000"/>
+            </a:schemeClr>
+          </a:lnRef>
+          <a:fillRef idx="1">
+            <a:schemeClr val="accent1"/>
+          </a:fillRef>
+          <a:effectRef idx="0">
+            <a:schemeClr val="accent1"/>
+          </a:effectRef>
+          <a:fontRef idx="minor">
+            <a:schemeClr val="lt1"/>
+          </a:fontRef>
+        </p:style>
+        <p:txBody>
+          <a:bodyPr rtlCol="0" anchor="ctr"/>
+          <a:lstStyle/>
+          <a:p>
+            <a:pPr algn="ctr"/>
+            <a:endParaRPr lang="en-US"/>
+          </a:p>
+        </p:txBody>
+      </p:sp>
+      <p:sp>
+        <p:nvSpPr>
+          <p:cNvPr id="7" name="Rectangle 6"/>
+          <p:cNvSpPr/>
+          <p:nvPr/>
+        </p:nvSpPr>
+        <p:spPr>
+          <a:xfrm>
+            <a:off x="5105400" y="1104900"/>
+            <a:ext cx="2667000" cy="3352800"/>
+          </a:xfrm>
+          <a:prstGeom prst="rect">
+            <a:avLst/>
+          </a:prstGeom>
+          <a:noFill/>
+        </p:spPr>
+        <p:style>
+          <a:lnRef idx="2">
+            <a:schemeClr val="accent1">
+              <a:shade val="50000"/>
+            </a:schemeClr>
+          </a:lnRef>
+          <a:fillRef idx="1">
+            <a:schemeClr val="accent1"/>
+          </a:fillRef>
+          <a:effectRef idx="0">
+            <a:schemeClr val="accent1"/>
+          </a:effectRef>
+          <a:fontRef idx="minor">
+            <a:schemeClr val="lt1"/>
+          </a:fontRef>
+        </p:style>
+        <p:txBody>
+          <a:bodyPr rtlCol="0" anchor="ctr"/>
+          <a:lstStyle/>
+          <a:p>
+            <a:pPr algn="ctr"/>
+            <a:endParaRPr lang="en-US"/>
+          </a:p>
+        </p:txBody>
+      </p:sp>
+      <p:sp>
+        <p:nvSpPr>
+          <p:cNvPr id="8" name="TextBox 7"/>
+          <p:cNvSpPr txBox="1"/>
+          <p:nvPr/>
+        </p:nvSpPr>
+        <p:spPr>
+          <a:xfrm>
+            <a:off x="1295400" y="1104900"/>
+            <a:ext cx="1829540" cy="369332"/>
+          </a:xfrm>
+          <a:prstGeom prst="rect">
+            <a:avLst/>
+          </a:prstGeom>
+          <a:noFill/>
+        </p:spPr>
+        <p:txBody>
+          <a:bodyPr wrap="none" rtlCol="0">
+            <a:spAutoFit/>
+          </a:bodyPr>
+          <a:lstStyle/>
+          <a:p>
+            <a:r>
+              <a:rPr lang="en-US" dirty="0" smtClean="0"/>
+              <a:t>Pod: 172.17.0.23</a:t>
+            </a:r>
+            <a:endParaRPr lang="en-US" dirty="0"/>
+          </a:p>
+        </p:txBody>
+      </p:sp>
+      <p:sp>
+        <p:nvSpPr>
+          <p:cNvPr id="9" name="TextBox 8"/>
+          <p:cNvSpPr txBox="1"/>
+          <p:nvPr/>
+        </p:nvSpPr>
+        <p:spPr>
+          <a:xfrm>
+            <a:off x="5028460" y="876300"/>
+            <a:ext cx="1767022" cy="369332"/>
+          </a:xfrm>
+          <a:prstGeom prst="rect">
+            <a:avLst/>
+          </a:prstGeom>
+          <a:noFill/>
+        </p:spPr>
+        <p:txBody>
+          <a:bodyPr wrap="none" rtlCol="0">
+            <a:spAutoFit/>
+          </a:bodyPr>
+          <a:lstStyle/>
+          <a:p>
+            <a:r>
+              <a:rPr lang="en-US" dirty="0" smtClean="0"/>
+              <a:t>Pod: 172.17.0.24</a:t>
+            </a:r>
+            <a:endParaRPr lang="en-US" dirty="0"/>
+          </a:p>
+        </p:txBody>
+      </p:sp>
+      <p:sp>
+        <p:nvSpPr>
+          <p:cNvPr id="10" name="TextBox 9"/>
+          <p:cNvSpPr txBox="1"/>
+          <p:nvPr/>
+        </p:nvSpPr>
+        <p:spPr>
+          <a:xfrm>
+            <a:off x="3657600" y="495300"/>
+            <a:ext cx="5745612" cy="369332"/>
+          </a:xfrm>
+          <a:prstGeom prst="rect">
+            <a:avLst/>
+          </a:prstGeom>
+          <a:noFill/>
+        </p:spPr>
+        <p:txBody>
+          <a:bodyPr wrap="none" rtlCol="0">
+            <a:spAutoFit/>
+          </a:bodyPr>
+          <a:lstStyle/>
+          <a:p>
+            <a:r>
+              <a:rPr lang="en-US" dirty="0" smtClean="0"/>
+              <a:t>d</a:t>
+            </a:r>
+            <a:r>
+              <a:rPr lang="en-US" dirty="0" smtClean="0"/>
+              <a:t>b-svc: port:8888 TP:3006, EP:172.17.0.24, IP 12.213.45.56</a:t>
+            </a:r>
+            <a:endParaRPr lang="en-US" dirty="0"/>
+          </a:p>
+        </p:txBody>
+      </p:sp>
+    </p:spTree>
+  </p:cSld>
+  <p:clrMapOvr>
+    <a:masterClrMapping/>
+  </p:clrMapOvr>
+</p:sld>
+</file>
+
+<file path=ppt/slides/slide11.xml><?xml version="1.0" encoding="utf-8"?>
+<p:sld xmlns:a="http://schemas.openxmlformats.org/drawingml/2006/main" xmlns:r="http://schemas.openxmlformats.org/officeDocument/2006/relationships" xmlns:p="http://schemas.openxmlformats.org/presentationml/2006/main">
+  <p:cSld>
+    <p:spTree>
+      <p:nvGrpSpPr>
+        <p:cNvPr id="1" name=""/>
+        <p:cNvGrpSpPr/>
+        <p:nvPr/>
+      </p:nvGrpSpPr>
+      <p:grpSpPr>
+        <a:xfrm>
+          <a:off x="0" y="0"/>
+          <a:ext cx="0" cy="0"/>
+          <a:chOff x="0" y="0"/>
+          <a:chExt cx="0" cy="0"/>
+        </a:xfrm>
+      </p:grpSpPr>
+      <p:sp>
+        <p:nvSpPr>
+          <p:cNvPr id="2" name="Rectangle 1"/>
+          <p:cNvSpPr/>
+          <p:nvPr/>
+        </p:nvSpPr>
+        <p:spPr>
+          <a:xfrm>
+            <a:off x="2971800" y="419100"/>
+            <a:ext cx="5410200" cy="4953000"/>
+          </a:xfrm>
+          <a:prstGeom prst="rect">
+            <a:avLst/>
+          </a:prstGeom>
+          <a:noFill/>
+        </p:spPr>
+        <p:style>
+          <a:lnRef idx="2">
+            <a:schemeClr val="accent1">
+              <a:shade val="50000"/>
+            </a:schemeClr>
+          </a:lnRef>
+          <a:fillRef idx="1">
+            <a:schemeClr val="accent1"/>
+          </a:fillRef>
+          <a:effectRef idx="0">
+            <a:schemeClr val="accent1"/>
+          </a:effectRef>
+          <a:fontRef idx="minor">
+            <a:schemeClr val="lt1"/>
+          </a:fontRef>
+        </p:style>
+        <p:txBody>
+          <a:bodyPr rtlCol="0" anchor="ctr"/>
+          <a:lstStyle/>
+          <a:p>
+            <a:pPr algn="ctr"/>
+            <a:endParaRPr lang="en-US"/>
+          </a:p>
+        </p:txBody>
+      </p:sp>
+      <p:sp>
+        <p:nvSpPr>
+          <p:cNvPr id="3" name="TextBox 2"/>
+          <p:cNvSpPr txBox="1"/>
+          <p:nvPr/>
+        </p:nvSpPr>
+        <p:spPr>
+          <a:xfrm>
+            <a:off x="2971800" y="419100"/>
+            <a:ext cx="2645532" cy="369332"/>
+          </a:xfrm>
+          <a:prstGeom prst="rect">
+            <a:avLst/>
+          </a:prstGeom>
+          <a:noFill/>
+        </p:spPr>
+        <p:txBody>
+          <a:bodyPr wrap="none" rtlCol="0">
+            <a:spAutoFit/>
+          </a:bodyPr>
+          <a:lstStyle/>
+          <a:p>
+            <a:r>
+              <a:rPr lang="en-US" dirty="0" err="1" smtClean="0"/>
+              <a:t>Minikube</a:t>
+            </a:r>
+            <a:r>
+              <a:rPr lang="en-US" dirty="0" smtClean="0"/>
+              <a:t>: 192.168.99.100</a:t>
+            </a:r>
+            <a:endParaRPr lang="en-US" dirty="0"/>
+          </a:p>
+        </p:txBody>
+      </p:sp>
+      <p:sp>
+        <p:nvSpPr>
+          <p:cNvPr id="4" name="Rectangle 3"/>
+          <p:cNvSpPr/>
+          <p:nvPr/>
+        </p:nvSpPr>
+        <p:spPr>
+          <a:xfrm>
+            <a:off x="4343400" y="1562100"/>
+            <a:ext cx="2514600" cy="1752600"/>
+          </a:xfrm>
+          <a:prstGeom prst="rect">
+            <a:avLst/>
+          </a:prstGeom>
+          <a:noFill/>
+        </p:spPr>
+        <p:style>
+          <a:lnRef idx="2">
+            <a:schemeClr val="accent1">
+              <a:shade val="50000"/>
+            </a:schemeClr>
+          </a:lnRef>
+          <a:fillRef idx="1">
+            <a:schemeClr val="accent1"/>
+          </a:fillRef>
+          <a:effectRef idx="0">
+            <a:schemeClr val="accent1"/>
+          </a:effectRef>
+          <a:fontRef idx="minor">
+            <a:schemeClr val="lt1"/>
+          </a:fontRef>
+        </p:style>
+        <p:txBody>
+          <a:bodyPr rtlCol="0" anchor="ctr"/>
+          <a:lstStyle/>
+          <a:p>
+            <a:pPr algn="ctr"/>
+            <a:endParaRPr lang="en-US"/>
+          </a:p>
+        </p:txBody>
+      </p:sp>
+      <p:sp>
+        <p:nvSpPr>
+          <p:cNvPr id="5" name="Oval 4"/>
+          <p:cNvSpPr/>
+          <p:nvPr/>
+        </p:nvSpPr>
+        <p:spPr>
+          <a:xfrm>
+            <a:off x="5029200" y="2171700"/>
+            <a:ext cx="1676400" cy="1219200"/>
+          </a:xfrm>
+          <a:prstGeom prst="ellipse">
+            <a:avLst/>
+          </a:prstGeom>
+        </p:spPr>
+        <p:style>
+          <a:lnRef idx="2">
+            <a:schemeClr val="accent1">
+              <a:shade val="50000"/>
+            </a:schemeClr>
+          </a:lnRef>
+          <a:fillRef idx="1">
+            <a:schemeClr val="accent1"/>
+          </a:fillRef>
+          <a:effectRef idx="0">
+            <a:schemeClr val="accent1"/>
+          </a:effectRef>
+          <a:fontRef idx="minor">
+            <a:schemeClr val="lt1"/>
+          </a:fontRef>
+        </p:style>
+        <p:txBody>
+          <a:bodyPr rtlCol="0" anchor="ctr"/>
+          <a:lstStyle/>
+          <a:p>
+            <a:pPr algn="ctr"/>
+            <a:r>
+              <a:rPr lang="en-US" dirty="0" smtClean="0"/>
+              <a:t>nginx:80</a:t>
+            </a:r>
+            <a:endParaRPr lang="en-US" dirty="0"/>
+          </a:p>
+        </p:txBody>
+      </p:sp>
+      <p:sp>
+        <p:nvSpPr>
+          <p:cNvPr id="6" name="TextBox 5"/>
+          <p:cNvSpPr txBox="1"/>
+          <p:nvPr/>
+        </p:nvSpPr>
+        <p:spPr>
+          <a:xfrm>
+            <a:off x="4369797" y="1573768"/>
+            <a:ext cx="1650003" cy="369332"/>
+          </a:xfrm>
+          <a:prstGeom prst="rect">
+            <a:avLst/>
+          </a:prstGeom>
+          <a:noFill/>
+        </p:spPr>
+        <p:txBody>
+          <a:bodyPr wrap="none" rtlCol="0">
+            <a:spAutoFit/>
+          </a:bodyPr>
+          <a:lstStyle/>
+          <a:p>
+            <a:r>
+              <a:rPr lang="en-US" dirty="0" smtClean="0"/>
+              <a:t>Pod: 172.17.0.4</a:t>
+            </a:r>
+            <a:endParaRPr lang="en-US" dirty="0"/>
+          </a:p>
+        </p:txBody>
+      </p:sp>
+      <p:sp>
+        <p:nvSpPr>
+          <p:cNvPr id="7" name="TextBox 6"/>
+          <p:cNvSpPr txBox="1"/>
+          <p:nvPr/>
+        </p:nvSpPr>
+        <p:spPr>
+          <a:xfrm>
+            <a:off x="228600" y="419100"/>
+            <a:ext cx="2141612" cy="923330"/>
+          </a:xfrm>
+          <a:prstGeom prst="rect">
+            <a:avLst/>
+          </a:prstGeom>
+          <a:noFill/>
+        </p:spPr>
+        <p:txBody>
+          <a:bodyPr wrap="none" rtlCol="0">
+            <a:spAutoFit/>
+          </a:bodyPr>
+          <a:lstStyle/>
+          <a:p>
+            <a:pPr marL="342900" indent="-342900">
+              <a:buAutoNum type="arabicPeriod"/>
+            </a:pPr>
+            <a:r>
+              <a:rPr lang="en-US" dirty="0" smtClean="0"/>
+              <a:t>Expose a pod</a:t>
+            </a:r>
+          </a:p>
+          <a:p>
+            <a:pPr marL="342900" indent="-342900">
+              <a:buAutoNum type="arabicPeriod"/>
+            </a:pPr>
+            <a:r>
+              <a:rPr lang="en-US" dirty="0" smtClean="0"/>
+              <a:t>Load balance</a:t>
+            </a:r>
+          </a:p>
+          <a:p>
+            <a:pPr marL="342900" indent="-342900">
+              <a:buAutoNum type="arabicPeriod"/>
+            </a:pPr>
+            <a:r>
+              <a:rPr lang="en-US" dirty="0" smtClean="0"/>
+              <a:t>Service discovery</a:t>
+            </a:r>
+            <a:endParaRPr lang="en-US" dirty="0"/>
+          </a:p>
+        </p:txBody>
+      </p:sp>
+      <p:sp>
+        <p:nvSpPr>
+          <p:cNvPr id="8" name="TextBox 7"/>
+          <p:cNvSpPr txBox="1"/>
+          <p:nvPr/>
+        </p:nvSpPr>
+        <p:spPr>
+          <a:xfrm>
+            <a:off x="2514600" y="1562100"/>
+            <a:ext cx="769763" cy="369332"/>
+          </a:xfrm>
+          <a:prstGeom prst="rect">
+            <a:avLst/>
+          </a:prstGeom>
+          <a:noFill/>
+        </p:spPr>
+        <p:txBody>
+          <a:bodyPr wrap="none" rtlCol="0">
+            <a:spAutoFit/>
+          </a:bodyPr>
+          <a:lstStyle/>
+          <a:p>
+            <a:r>
+              <a:rPr lang="en-US" dirty="0" smtClean="0"/>
+              <a:t>31001</a:t>
+            </a:r>
+            <a:endParaRPr lang="en-US" dirty="0"/>
+          </a:p>
+        </p:txBody>
+      </p:sp>
+      <p:sp>
+        <p:nvSpPr>
+          <p:cNvPr id="9" name="Rectangle 8"/>
+          <p:cNvSpPr/>
+          <p:nvPr/>
+        </p:nvSpPr>
+        <p:spPr>
+          <a:xfrm>
+            <a:off x="3505200" y="1104900"/>
+            <a:ext cx="2058577" cy="369332"/>
+          </a:xfrm>
+          <a:prstGeom prst="rect">
+            <a:avLst/>
+          </a:prstGeom>
+        </p:spPr>
+        <p:txBody>
+          <a:bodyPr wrap="none">
+            <a:spAutoFit/>
+          </a:bodyPr>
+          <a:lstStyle/>
+          <a:p>
+            <a:r>
+              <a:rPr lang="en-US" dirty="0" smtClean="0"/>
+              <a:t>10.105.197.15:8888</a:t>
+            </a:r>
+            <a:endParaRPr lang="en-US" dirty="0"/>
+          </a:p>
+        </p:txBody>
+      </p:sp>
+      <p:cxnSp>
+        <p:nvCxnSpPr>
+          <p:cNvPr id="10" name="Straight Arrow Connector 9"/>
+          <p:cNvCxnSpPr>
+            <a:endCxn id="6" idx="0"/>
+          </p:cNvCxnSpPr>
+          <p:nvPr/>
+        </p:nvCxnSpPr>
+        <p:spPr>
+          <a:xfrm flipH="1">
+            <a:off x="5194799" y="1333500"/>
+            <a:ext cx="672601" cy="240268"/>
+          </a:xfrm>
+          <a:prstGeom prst="straightConnector1">
+            <a:avLst/>
+          </a:prstGeom>
+          <a:ln>
+            <a:tailEnd type="arrow"/>
+          </a:ln>
+        </p:spPr>
+        <p:style>
+          <a:lnRef idx="1">
+            <a:schemeClr val="accent1"/>
+          </a:lnRef>
+          <a:fillRef idx="0">
+            <a:schemeClr val="accent1"/>
+          </a:fillRef>
+          <a:effectRef idx="0">
+            <a:schemeClr val="accent1"/>
+          </a:effectRef>
+          <a:fontRef idx="minor">
+            <a:schemeClr val="tx1"/>
+          </a:fontRef>
+        </p:style>
+      </p:cxnSp>
+      <p:sp>
+        <p:nvSpPr>
+          <p:cNvPr id="11" name="TextBox 10"/>
+          <p:cNvSpPr txBox="1"/>
+          <p:nvPr/>
+        </p:nvSpPr>
+        <p:spPr>
+          <a:xfrm>
+            <a:off x="5715000" y="1116568"/>
+            <a:ext cx="1218475" cy="369332"/>
+          </a:xfrm>
+          <a:prstGeom prst="rect">
+            <a:avLst/>
+          </a:prstGeom>
+          <a:noFill/>
+        </p:spPr>
+        <p:txBody>
+          <a:bodyPr wrap="none" rtlCol="0">
+            <a:spAutoFit/>
+          </a:bodyPr>
+          <a:lstStyle/>
+          <a:p>
+            <a:r>
+              <a:rPr lang="en-US" dirty="0" smtClean="0"/>
+              <a:t>Rev lookup</a:t>
+            </a:r>
+            <a:endParaRPr lang="en-US" dirty="0"/>
+          </a:p>
+        </p:txBody>
+      </p:sp>
+      <p:cxnSp>
+        <p:nvCxnSpPr>
+          <p:cNvPr id="15" name="Straight Arrow Connector 14"/>
+          <p:cNvCxnSpPr>
+            <a:stCxn id="6" idx="2"/>
+            <a:endCxn id="5" idx="0"/>
+          </p:cNvCxnSpPr>
+          <p:nvPr/>
+        </p:nvCxnSpPr>
+        <p:spPr>
+          <a:xfrm>
+            <a:off x="5194799" y="1943100"/>
+            <a:ext cx="672601" cy="228600"/>
+          </a:xfrm>
+          <a:prstGeom prst="straightConnector1">
+            <a:avLst/>
+          </a:prstGeom>
+          <a:ln>
+            <a:tailEnd type="arrow"/>
+          </a:ln>
+        </p:spPr>
+        <p:style>
+          <a:lnRef idx="1">
+            <a:schemeClr val="accent1"/>
+          </a:lnRef>
+          <a:fillRef idx="0">
+            <a:schemeClr val="accent1"/>
+          </a:fillRef>
+          <a:effectRef idx="0">
+            <a:schemeClr val="accent1"/>
+          </a:effectRef>
+          <a:fontRef idx="minor">
+            <a:schemeClr val="tx1"/>
+          </a:fontRef>
+        </p:style>
+      </p:cxnSp>
+      <p:cxnSp>
+        <p:nvCxnSpPr>
+          <p:cNvPr id="17" name="Straight Arrow Connector 16"/>
+          <p:cNvCxnSpPr>
+            <a:stCxn id="9" idx="3"/>
+            <a:endCxn id="11" idx="1"/>
+          </p:cNvCxnSpPr>
+          <p:nvPr/>
+        </p:nvCxnSpPr>
+        <p:spPr>
+          <a:xfrm>
+            <a:off x="5563777" y="1289566"/>
+            <a:ext cx="151223" cy="11668"/>
+          </a:xfrm>
+          <a:prstGeom prst="straightConnector1">
+            <a:avLst/>
+          </a:prstGeom>
+          <a:ln>
+            <a:tailEnd type="arrow"/>
+          </a:ln>
+        </p:spPr>
+        <p:style>
+          <a:lnRef idx="1">
+            <a:schemeClr val="accent1"/>
+          </a:lnRef>
+          <a:fillRef idx="0">
+            <a:schemeClr val="accent1"/>
+          </a:fillRef>
+          <a:effectRef idx="0">
+            <a:schemeClr val="accent1"/>
+          </a:effectRef>
+          <a:fontRef idx="minor">
+            <a:schemeClr val="tx1"/>
+          </a:fontRef>
+        </p:style>
+      </p:cxnSp>
+      <p:cxnSp>
+        <p:nvCxnSpPr>
+          <p:cNvPr id="19" name="Straight Arrow Connector 18"/>
+          <p:cNvCxnSpPr>
+            <a:stCxn id="8" idx="3"/>
+            <a:endCxn id="9" idx="1"/>
+          </p:cNvCxnSpPr>
+          <p:nvPr/>
+        </p:nvCxnSpPr>
+        <p:spPr>
+          <a:xfrm flipV="1">
+            <a:off x="3284363" y="1289566"/>
+            <a:ext cx="220837" cy="457200"/>
+          </a:xfrm>
+          <a:prstGeom prst="straightConnector1">
+            <a:avLst/>
+          </a:prstGeom>
+          <a:ln>
+            <a:tailEnd type="arrow"/>
+          </a:ln>
+        </p:spPr>
+        <p:style>
+          <a:lnRef idx="1">
+            <a:schemeClr val="accent1"/>
+          </a:lnRef>
+          <a:fillRef idx="0">
+            <a:schemeClr val="accent1"/>
+          </a:fillRef>
+          <a:effectRef idx="0">
+            <a:schemeClr val="accent1"/>
+          </a:effectRef>
+          <a:fontRef idx="minor">
+            <a:schemeClr val="tx1"/>
+          </a:fontRef>
+        </p:style>
+      </p:cxnSp>
+      <p:cxnSp>
+        <p:nvCxnSpPr>
+          <p:cNvPr id="21" name="Straight Arrow Connector 20"/>
+          <p:cNvCxnSpPr>
+            <a:endCxn id="8" idx="1"/>
+          </p:cNvCxnSpPr>
+          <p:nvPr/>
+        </p:nvCxnSpPr>
+        <p:spPr>
+          <a:xfrm flipV="1">
+            <a:off x="1447800" y="1746766"/>
+            <a:ext cx="1066800" cy="424934"/>
+          </a:xfrm>
+          <a:prstGeom prst="straightConnector1">
+            <a:avLst/>
+          </a:prstGeom>
+          <a:ln>
+            <a:tailEnd type="arrow"/>
+          </a:ln>
+        </p:spPr>
+        <p:style>
+          <a:lnRef idx="1">
+            <a:schemeClr val="accent1"/>
+          </a:lnRef>
+          <a:fillRef idx="0">
+            <a:schemeClr val="accent1"/>
+          </a:fillRef>
+          <a:effectRef idx="0">
+            <a:schemeClr val="accent1"/>
+          </a:effectRef>
+          <a:fontRef idx="minor">
+            <a:schemeClr val="tx1"/>
+          </a:fontRef>
+        </p:style>
+      </p:cxnSp>
+      <p:sp>
+        <p:nvSpPr>
+          <p:cNvPr id="22" name="Rectangle 21"/>
+          <p:cNvSpPr/>
+          <p:nvPr/>
+        </p:nvSpPr>
+        <p:spPr>
+          <a:xfrm>
+            <a:off x="5410200" y="3543300"/>
+            <a:ext cx="2514600" cy="1752600"/>
+          </a:xfrm>
+          <a:prstGeom prst="rect">
+            <a:avLst/>
+          </a:prstGeom>
+          <a:noFill/>
+        </p:spPr>
+        <p:style>
+          <a:lnRef idx="2">
+            <a:schemeClr val="accent1">
+              <a:shade val="50000"/>
+            </a:schemeClr>
+          </a:lnRef>
+          <a:fillRef idx="1">
+            <a:schemeClr val="accent1"/>
+          </a:fillRef>
+          <a:effectRef idx="0">
+            <a:schemeClr val="accent1"/>
+          </a:effectRef>
+          <a:fontRef idx="minor">
+            <a:schemeClr val="lt1"/>
+          </a:fontRef>
+        </p:style>
+        <p:txBody>
+          <a:bodyPr rtlCol="0" anchor="ctr"/>
+          <a:lstStyle/>
+          <a:p>
+            <a:pPr algn="ctr"/>
+            <a:endParaRPr lang="en-US"/>
+          </a:p>
+        </p:txBody>
+      </p:sp>
+      <p:sp>
+        <p:nvSpPr>
+          <p:cNvPr id="23" name="Oval 22"/>
+          <p:cNvSpPr/>
+          <p:nvPr/>
+        </p:nvSpPr>
+        <p:spPr>
+          <a:xfrm>
+            <a:off x="6096000" y="4305300"/>
+            <a:ext cx="1676400" cy="762000"/>
+          </a:xfrm>
+          <a:prstGeom prst="ellipse">
+            <a:avLst/>
+          </a:prstGeom>
+        </p:spPr>
+        <p:style>
+          <a:lnRef idx="2">
+            <a:schemeClr val="accent1">
+              <a:shade val="50000"/>
+            </a:schemeClr>
+          </a:lnRef>
+          <a:fillRef idx="1">
+            <a:schemeClr val="accent1"/>
+          </a:fillRef>
+          <a:effectRef idx="0">
+            <a:schemeClr val="accent1"/>
+          </a:effectRef>
+          <a:fontRef idx="minor">
+            <a:schemeClr val="lt1"/>
+          </a:fontRef>
+        </p:style>
+        <p:txBody>
+          <a:bodyPr rtlCol="0" anchor="ctr"/>
+          <a:lstStyle/>
+          <a:p>
+            <a:pPr algn="ctr"/>
+            <a:r>
+              <a:rPr lang="en-US" dirty="0" smtClean="0"/>
+              <a:t>nginx:80</a:t>
+            </a:r>
+            <a:endParaRPr lang="en-US" dirty="0"/>
+          </a:p>
+        </p:txBody>
+      </p:sp>
+      <p:sp>
+        <p:nvSpPr>
+          <p:cNvPr id="24" name="TextBox 23"/>
+          <p:cNvSpPr txBox="1"/>
+          <p:nvPr/>
+        </p:nvSpPr>
+        <p:spPr>
+          <a:xfrm>
+            <a:off x="5436597" y="3554968"/>
+            <a:ext cx="1650003" cy="369332"/>
+          </a:xfrm>
+          <a:prstGeom prst="rect">
+            <a:avLst/>
+          </a:prstGeom>
+          <a:noFill/>
+        </p:spPr>
+        <p:txBody>
+          <a:bodyPr wrap="none" rtlCol="0">
+            <a:spAutoFit/>
+          </a:bodyPr>
+          <a:lstStyle/>
+          <a:p>
+            <a:r>
+              <a:rPr lang="en-US" dirty="0" smtClean="0"/>
+              <a:t>Pod: 172.17.0.5</a:t>
+            </a:r>
+            <a:endParaRPr lang="en-US" dirty="0"/>
+          </a:p>
+        </p:txBody>
+      </p:sp>
+      <p:cxnSp>
+        <p:nvCxnSpPr>
+          <p:cNvPr id="25" name="Straight Arrow Connector 24"/>
+          <p:cNvCxnSpPr>
+            <a:stCxn id="24" idx="2"/>
+            <a:endCxn id="23" idx="0"/>
+          </p:cNvCxnSpPr>
+          <p:nvPr/>
+        </p:nvCxnSpPr>
+        <p:spPr>
+          <a:xfrm>
+            <a:off x="6261599" y="3924300"/>
+            <a:ext cx="672601" cy="381000"/>
+          </a:xfrm>
+          <a:prstGeom prst="straightConnector1">
+            <a:avLst/>
+          </a:prstGeom>
+          <a:ln>
+            <a:tailEnd type="arrow"/>
+          </a:ln>
+        </p:spPr>
+        <p:style>
+          <a:lnRef idx="1">
+            <a:schemeClr val="accent1"/>
+          </a:lnRef>
+          <a:fillRef idx="0">
+            <a:schemeClr val="accent1"/>
+          </a:fillRef>
+          <a:effectRef idx="0">
+            <a:schemeClr val="accent1"/>
+          </a:effectRef>
+          <a:fontRef idx="minor">
+            <a:schemeClr val="tx1"/>
+          </a:fontRef>
+        </p:style>
+      </p:cxnSp>
+    </p:spTree>
+  </p:cSld>
+  <p:clrMapOvr>
+    <a:masterClrMapping/>
+  </p:clrMapOvr>
+</p:sld>
+</file>
+
+<file path=ppt/slides/slide12.xml><?xml version="1.0" encoding="utf-8"?>
+<p:sld xmlns:a="http://schemas.openxmlformats.org/drawingml/2006/main" xmlns:r="http://schemas.openxmlformats.org/officeDocument/2006/relationships" xmlns:p="http://schemas.openxmlformats.org/presentationml/2006/main">
+  <p:cSld>
+    <p:spTree>
+      <p:nvGrpSpPr>
+        <p:cNvPr id="1" name=""/>
+        <p:cNvGrpSpPr/>
+        <p:nvPr/>
+      </p:nvGrpSpPr>
+      <p:grpSpPr>
+        <a:xfrm>
+          <a:off x="0" y="0"/>
+          <a:ext cx="0" cy="0"/>
+          <a:chOff x="0" y="0"/>
+          <a:chExt cx="0" cy="0"/>
+        </a:xfrm>
+      </p:grpSpPr>
+      <p:sp>
+        <p:nvSpPr>
+          <p:cNvPr id="2" name="Rectangle 1"/>
+          <p:cNvSpPr/>
+          <p:nvPr/>
+        </p:nvSpPr>
+        <p:spPr>
+          <a:xfrm>
+            <a:off x="457200" y="266700"/>
+            <a:ext cx="8229600" cy="4953000"/>
+          </a:xfrm>
+          <a:prstGeom prst="rect">
+            <a:avLst/>
+          </a:prstGeom>
+          <a:noFill/>
+        </p:spPr>
+        <p:style>
+          <a:lnRef idx="2">
+            <a:schemeClr val="accent1">
+              <a:shade val="50000"/>
+            </a:schemeClr>
+          </a:lnRef>
+          <a:fillRef idx="1">
+            <a:schemeClr val="accent1"/>
+          </a:fillRef>
+          <a:effectRef idx="0">
+            <a:schemeClr val="accent1"/>
+          </a:effectRef>
+          <a:fontRef idx="minor">
+            <a:schemeClr val="lt1"/>
+          </a:fontRef>
+        </p:style>
+        <p:txBody>
+          <a:bodyPr rtlCol="0" anchor="ctr"/>
+          <a:lstStyle/>
+          <a:p>
+            <a:pPr algn="ctr"/>
+            <a:endParaRPr lang="en-US"/>
+          </a:p>
+        </p:txBody>
+      </p:sp>
+      <p:sp>
+        <p:nvSpPr>
+          <p:cNvPr id="3" name="Rectangle 2"/>
+          <p:cNvSpPr/>
+          <p:nvPr/>
+        </p:nvSpPr>
+        <p:spPr>
+          <a:xfrm>
+            <a:off x="2057400" y="1181100"/>
+            <a:ext cx="6019800" cy="3657600"/>
+          </a:xfrm>
+          <a:prstGeom prst="rect">
+            <a:avLst/>
+          </a:prstGeom>
+          <a:noFill/>
+        </p:spPr>
+        <p:style>
+          <a:lnRef idx="2">
+            <a:schemeClr val="accent1">
+              <a:shade val="50000"/>
+            </a:schemeClr>
+          </a:lnRef>
+          <a:fillRef idx="1">
+            <a:schemeClr val="accent1"/>
+          </a:fillRef>
+          <a:effectRef idx="0">
+            <a:schemeClr val="accent1"/>
+          </a:effectRef>
+          <a:fontRef idx="minor">
+            <a:schemeClr val="lt1"/>
+          </a:fontRef>
+        </p:style>
+        <p:txBody>
+          <a:bodyPr rtlCol="0" anchor="ctr"/>
+          <a:lstStyle/>
+          <a:p>
+            <a:pPr algn="ctr"/>
+            <a:endParaRPr lang="en-US"/>
+          </a:p>
+        </p:txBody>
+      </p:sp>
+      <p:sp>
+        <p:nvSpPr>
+          <p:cNvPr id="4" name="Rectangle 3"/>
+          <p:cNvSpPr/>
+          <p:nvPr/>
+        </p:nvSpPr>
+        <p:spPr>
+          <a:xfrm>
+            <a:off x="2514600" y="1485900"/>
+            <a:ext cx="5257800" cy="3200400"/>
+          </a:xfrm>
+          <a:prstGeom prst="rect">
+            <a:avLst/>
+          </a:prstGeom>
+          <a:noFill/>
+        </p:spPr>
+        <p:style>
+          <a:lnRef idx="2">
+            <a:schemeClr val="accent1">
+              <a:shade val="50000"/>
+            </a:schemeClr>
+          </a:lnRef>
+          <a:fillRef idx="1">
+            <a:schemeClr val="accent1"/>
+          </a:fillRef>
+          <a:effectRef idx="0">
+            <a:schemeClr val="accent1"/>
+          </a:effectRef>
+          <a:fontRef idx="minor">
+            <a:schemeClr val="lt1"/>
+          </a:fontRef>
+        </p:style>
+        <p:txBody>
+          <a:bodyPr rtlCol="0" anchor="ctr"/>
+          <a:lstStyle/>
+          <a:p>
+            <a:pPr algn="ctr"/>
+            <a:endParaRPr lang="en-US"/>
+          </a:p>
+        </p:txBody>
+      </p:sp>
+      <p:sp>
+        <p:nvSpPr>
+          <p:cNvPr id="5" name="Rectangle 4"/>
+          <p:cNvSpPr/>
+          <p:nvPr/>
+        </p:nvSpPr>
+        <p:spPr>
+          <a:xfrm>
+            <a:off x="2971800" y="1866900"/>
+            <a:ext cx="4343400" cy="2514600"/>
+          </a:xfrm>
+          <a:prstGeom prst="rect">
+            <a:avLst/>
+          </a:prstGeom>
+          <a:noFill/>
+        </p:spPr>
+        <p:style>
+          <a:lnRef idx="2">
+            <a:schemeClr val="accent1">
+              <a:shade val="50000"/>
+            </a:schemeClr>
+          </a:lnRef>
+          <a:fillRef idx="1">
+            <a:schemeClr val="accent1"/>
+          </a:fillRef>
+          <a:effectRef idx="0">
+            <a:schemeClr val="accent1"/>
+          </a:effectRef>
+          <a:fontRef idx="minor">
+            <a:schemeClr val="lt1"/>
+          </a:fontRef>
+        </p:style>
+        <p:txBody>
+          <a:bodyPr rtlCol="0" anchor="ctr"/>
+          <a:lstStyle/>
+          <a:p>
+            <a:pPr algn="ctr"/>
+            <a:endParaRPr lang="en-US"/>
+          </a:p>
+        </p:txBody>
+      </p:sp>
+      <p:sp>
+        <p:nvSpPr>
+          <p:cNvPr id="6" name="TextBox 5"/>
+          <p:cNvSpPr txBox="1"/>
+          <p:nvPr/>
+        </p:nvSpPr>
+        <p:spPr>
+          <a:xfrm>
+            <a:off x="685800" y="419100"/>
+            <a:ext cx="1020087" cy="369332"/>
+          </a:xfrm>
+          <a:prstGeom prst="rect">
+            <a:avLst/>
+          </a:prstGeom>
+          <a:noFill/>
+        </p:spPr>
+        <p:txBody>
+          <a:bodyPr wrap="none" rtlCol="0">
+            <a:spAutoFit/>
+          </a:bodyPr>
+          <a:lstStyle/>
+          <a:p>
+            <a:r>
+              <a:rPr lang="en-US" dirty="0" smtClean="0"/>
+              <a:t>windows</a:t>
+            </a:r>
+            <a:endParaRPr lang="en-US" dirty="0"/>
+          </a:p>
+        </p:txBody>
+      </p:sp>
+      <p:sp>
+        <p:nvSpPr>
+          <p:cNvPr id="7" name="TextBox 6"/>
+          <p:cNvSpPr txBox="1"/>
+          <p:nvPr/>
+        </p:nvSpPr>
+        <p:spPr>
+          <a:xfrm>
+            <a:off x="2057400" y="800100"/>
+            <a:ext cx="1056956" cy="369332"/>
+          </a:xfrm>
+          <a:prstGeom prst="rect">
+            <a:avLst/>
+          </a:prstGeom>
+          <a:noFill/>
+        </p:spPr>
+        <p:txBody>
+          <a:bodyPr wrap="none" rtlCol="0">
+            <a:spAutoFit/>
+          </a:bodyPr>
+          <a:lstStyle/>
+          <a:p>
+            <a:r>
+              <a:rPr lang="en-US" dirty="0" err="1" smtClean="0"/>
+              <a:t>minikube</a:t>
+            </a:r>
+            <a:endParaRPr lang="en-US" dirty="0"/>
+          </a:p>
+        </p:txBody>
+      </p:sp>
+      <p:sp>
+        <p:nvSpPr>
+          <p:cNvPr id="8" name="TextBox 7"/>
+          <p:cNvSpPr txBox="1"/>
+          <p:nvPr/>
+        </p:nvSpPr>
+        <p:spPr>
+          <a:xfrm>
+            <a:off x="2524444" y="1181100"/>
+            <a:ext cx="550151" cy="369332"/>
+          </a:xfrm>
+          <a:prstGeom prst="rect">
+            <a:avLst/>
+          </a:prstGeom>
+          <a:noFill/>
+        </p:spPr>
+        <p:txBody>
+          <a:bodyPr wrap="none" rtlCol="0">
+            <a:spAutoFit/>
+          </a:bodyPr>
+          <a:lstStyle/>
+          <a:p>
+            <a:r>
+              <a:rPr lang="en-US" dirty="0" smtClean="0"/>
+              <a:t>pod</a:t>
+            </a:r>
+            <a:endParaRPr lang="en-US" dirty="0"/>
+          </a:p>
+        </p:txBody>
+      </p:sp>
+      <p:sp>
+        <p:nvSpPr>
+          <p:cNvPr id="9" name="TextBox 8"/>
+          <p:cNvSpPr txBox="1"/>
+          <p:nvPr/>
+        </p:nvSpPr>
+        <p:spPr>
+          <a:xfrm>
+            <a:off x="2878849" y="1573768"/>
+            <a:ext cx="1077090" cy="369332"/>
+          </a:xfrm>
+          <a:prstGeom prst="rect">
+            <a:avLst/>
+          </a:prstGeom>
+          <a:noFill/>
+        </p:spPr>
+        <p:txBody>
+          <a:bodyPr wrap="none" rtlCol="0">
+            <a:spAutoFit/>
+          </a:bodyPr>
+          <a:lstStyle/>
+          <a:p>
+            <a:r>
+              <a:rPr lang="en-US" dirty="0" smtClean="0"/>
+              <a:t>container</a:t>
+            </a:r>
+            <a:endParaRPr lang="en-US" dirty="0"/>
+          </a:p>
+        </p:txBody>
+      </p:sp>
+      <p:sp>
+        <p:nvSpPr>
+          <p:cNvPr id="10" name="TextBox 9"/>
+          <p:cNvSpPr txBox="1"/>
+          <p:nvPr/>
+        </p:nvSpPr>
+        <p:spPr>
+          <a:xfrm>
+            <a:off x="3581400" y="2781300"/>
+            <a:ext cx="2723823" cy="369332"/>
+          </a:xfrm>
+          <a:prstGeom prst="rect">
+            <a:avLst/>
+          </a:prstGeom>
+          <a:noFill/>
+        </p:spPr>
+        <p:txBody>
+          <a:bodyPr wrap="none" rtlCol="0">
+            <a:spAutoFit/>
+          </a:bodyPr>
+          <a:lstStyle/>
+          <a:p>
+            <a:r>
+              <a:rPr lang="en-US" dirty="0" smtClean="0"/>
+              <a:t>Curl 192.168.99.119:31001</a:t>
+            </a:r>
+            <a:endParaRPr lang="en-US" dirty="0"/>
+          </a:p>
+        </p:txBody>
+      </p:sp>
+      <p:cxnSp>
+        <p:nvCxnSpPr>
+          <p:cNvPr id="12" name="Straight Arrow Connector 11"/>
+          <p:cNvCxnSpPr/>
+          <p:nvPr/>
+        </p:nvCxnSpPr>
+        <p:spPr>
+          <a:xfrm flipH="1" flipV="1">
+            <a:off x="2743200" y="1943100"/>
+            <a:ext cx="1143000" cy="762000"/>
+          </a:xfrm>
+          <a:prstGeom prst="straightConnector1">
+            <a:avLst/>
+          </a:prstGeom>
+          <a:ln>
+            <a:tailEnd type="arrow"/>
+          </a:ln>
+        </p:spPr>
+        <p:style>
+          <a:lnRef idx="1">
+            <a:schemeClr val="accent1"/>
+          </a:lnRef>
+          <a:fillRef idx="0">
+            <a:schemeClr val="accent1"/>
+          </a:fillRef>
+          <a:effectRef idx="0">
+            <a:schemeClr val="accent1"/>
+          </a:effectRef>
+          <a:fontRef idx="minor">
+            <a:schemeClr val="tx1"/>
+          </a:fontRef>
+        </p:style>
+      </p:cxnSp>
+      <p:cxnSp>
+        <p:nvCxnSpPr>
+          <p:cNvPr id="14" name="Straight Arrow Connector 13"/>
+          <p:cNvCxnSpPr/>
+          <p:nvPr/>
+        </p:nvCxnSpPr>
+        <p:spPr>
+          <a:xfrm flipH="1" flipV="1">
+            <a:off x="2133600" y="1866900"/>
+            <a:ext cx="533400" cy="304800"/>
+          </a:xfrm>
+          <a:prstGeom prst="straightConnector1">
+            <a:avLst/>
+          </a:prstGeom>
+          <a:ln>
+            <a:tailEnd type="arrow"/>
+          </a:ln>
+        </p:spPr>
+        <p:style>
+          <a:lnRef idx="1">
+            <a:schemeClr val="accent1"/>
+          </a:lnRef>
+          <a:fillRef idx="0">
+            <a:schemeClr val="accent1"/>
+          </a:fillRef>
+          <a:effectRef idx="0">
+            <a:schemeClr val="accent1"/>
+          </a:effectRef>
+          <a:fontRef idx="minor">
+            <a:schemeClr val="tx1"/>
+          </a:fontRef>
+        </p:style>
+      </p:cxnSp>
+      <p:cxnSp>
+        <p:nvCxnSpPr>
+          <p:cNvPr id="16" name="Straight Arrow Connector 15"/>
+          <p:cNvCxnSpPr/>
+          <p:nvPr/>
+        </p:nvCxnSpPr>
+        <p:spPr>
+          <a:xfrm flipH="1" flipV="1">
+            <a:off x="1600200" y="1409700"/>
+            <a:ext cx="457200" cy="381000"/>
+          </a:xfrm>
+          <a:prstGeom prst="straightConnector1">
+            <a:avLst/>
+          </a:prstGeom>
+          <a:ln>
+            <a:tailEnd type="arrow"/>
+          </a:ln>
+        </p:spPr>
+        <p:style>
+          <a:lnRef idx="1">
+            <a:schemeClr val="accent1"/>
+          </a:lnRef>
+          <a:fillRef idx="0">
+            <a:schemeClr val="accent1"/>
+          </a:fillRef>
+          <a:effectRef idx="0">
+            <a:schemeClr val="accent1"/>
+          </a:effectRef>
+          <a:fontRef idx="minor">
+            <a:schemeClr val="tx1"/>
+          </a:fontRef>
+        </p:style>
+      </p:cxnSp>
+      <p:cxnSp>
+        <p:nvCxnSpPr>
+          <p:cNvPr id="18" name="Straight Arrow Connector 17"/>
+          <p:cNvCxnSpPr/>
+          <p:nvPr/>
+        </p:nvCxnSpPr>
+        <p:spPr>
+          <a:xfrm flipV="1">
+            <a:off x="1752600" y="1257300"/>
+            <a:ext cx="533400" cy="76200"/>
+          </a:xfrm>
+          <a:prstGeom prst="straightConnector1">
+            <a:avLst/>
+          </a:prstGeom>
+          <a:ln>
+            <a:tailEnd type="arrow"/>
+          </a:ln>
+        </p:spPr>
+        <p:style>
+          <a:lnRef idx="1">
+            <a:schemeClr val="accent1"/>
+          </a:lnRef>
+          <a:fillRef idx="0">
+            <a:schemeClr val="accent1"/>
+          </a:fillRef>
+          <a:effectRef idx="0">
+            <a:schemeClr val="accent1"/>
+          </a:effectRef>
+          <a:fontRef idx="minor">
+            <a:schemeClr val="tx1"/>
+          </a:fontRef>
+        </p:style>
+      </p:cxnSp>
+      <p:cxnSp>
+        <p:nvCxnSpPr>
+          <p:cNvPr id="20" name="Straight Arrow Connector 19"/>
+          <p:cNvCxnSpPr/>
+          <p:nvPr/>
+        </p:nvCxnSpPr>
+        <p:spPr>
+          <a:xfrm>
+            <a:off x="3048000" y="1104900"/>
+            <a:ext cx="1524000" cy="1143000"/>
+          </a:xfrm>
+          <a:prstGeom prst="straightConnector1">
+            <a:avLst/>
+          </a:prstGeom>
+          <a:ln>
+            <a:tailEnd type="arrow"/>
+          </a:ln>
+        </p:spPr>
+        <p:style>
+          <a:lnRef idx="1">
+            <a:schemeClr val="accent1"/>
+          </a:lnRef>
+          <a:fillRef idx="0">
+            <a:schemeClr val="accent1"/>
+          </a:fillRef>
+          <a:effectRef idx="0">
+            <a:schemeClr val="accent1"/>
+          </a:effectRef>
+          <a:fontRef idx="minor">
+            <a:schemeClr val="tx1"/>
+          </a:fontRef>
+        </p:style>
+      </p:cxnSp>
+      <p:sp>
+        <p:nvSpPr>
+          <p:cNvPr id="21" name="TextBox 20"/>
+          <p:cNvSpPr txBox="1"/>
+          <p:nvPr/>
+        </p:nvSpPr>
+        <p:spPr>
+          <a:xfrm>
+            <a:off x="3657600" y="3390900"/>
+            <a:ext cx="2489784" cy="369332"/>
+          </a:xfrm>
+          <a:prstGeom prst="rect">
+            <a:avLst/>
+          </a:prstGeom>
+          <a:noFill/>
+        </p:spPr>
+        <p:txBody>
+          <a:bodyPr wrap="none" rtlCol="0">
+            <a:spAutoFit/>
+          </a:bodyPr>
+          <a:lstStyle/>
+          <a:p>
+            <a:r>
+              <a:rPr lang="en-US" dirty="0" smtClean="0"/>
+              <a:t>Curl 10.105.197.15:8888</a:t>
+            </a:r>
+            <a:endParaRPr lang="en-US" dirty="0"/>
+          </a:p>
+        </p:txBody>
+      </p:sp>
+      <p:cxnSp>
+        <p:nvCxnSpPr>
+          <p:cNvPr id="23" name="Straight Arrow Connector 22"/>
+          <p:cNvCxnSpPr>
+            <a:stCxn id="21" idx="1"/>
+          </p:cNvCxnSpPr>
+          <p:nvPr/>
+        </p:nvCxnSpPr>
+        <p:spPr>
+          <a:xfrm flipH="1" flipV="1">
+            <a:off x="2819400" y="3086100"/>
+            <a:ext cx="838200" cy="489466"/>
+          </a:xfrm>
+          <a:prstGeom prst="straightConnector1">
+            <a:avLst/>
+          </a:prstGeom>
+          <a:ln>
+            <a:tailEnd type="arrow"/>
+          </a:ln>
+        </p:spPr>
+        <p:style>
+          <a:lnRef idx="1">
+            <a:schemeClr val="accent1"/>
+          </a:lnRef>
+          <a:fillRef idx="0">
+            <a:schemeClr val="accent1"/>
+          </a:fillRef>
+          <a:effectRef idx="0">
+            <a:schemeClr val="accent1"/>
+          </a:effectRef>
+          <a:fontRef idx="minor">
+            <a:schemeClr val="tx1"/>
+          </a:fontRef>
+        </p:style>
+      </p:cxnSp>
+      <p:cxnSp>
+        <p:nvCxnSpPr>
+          <p:cNvPr id="25" name="Straight Arrow Connector 24"/>
+          <p:cNvCxnSpPr/>
+          <p:nvPr/>
+        </p:nvCxnSpPr>
+        <p:spPr>
+          <a:xfrm flipH="1" flipV="1">
+            <a:off x="2362200" y="3009900"/>
+            <a:ext cx="381000" cy="304800"/>
+          </a:xfrm>
+          <a:prstGeom prst="straightConnector1">
+            <a:avLst/>
+          </a:prstGeom>
+          <a:ln>
+            <a:tailEnd type="arrow"/>
+          </a:ln>
+        </p:spPr>
+        <p:style>
+          <a:lnRef idx="1">
+            <a:schemeClr val="accent1"/>
+          </a:lnRef>
+          <a:fillRef idx="0">
+            <a:schemeClr val="accent1"/>
+          </a:fillRef>
+          <a:effectRef idx="0">
+            <a:schemeClr val="accent1"/>
+          </a:effectRef>
+          <a:fontRef idx="minor">
+            <a:schemeClr val="tx1"/>
+          </a:fontRef>
+        </p:style>
+      </p:cxnSp>
+      <p:cxnSp>
+        <p:nvCxnSpPr>
+          <p:cNvPr id="27" name="Straight Arrow Connector 26"/>
+          <p:cNvCxnSpPr/>
+          <p:nvPr/>
+        </p:nvCxnSpPr>
+        <p:spPr>
+          <a:xfrm>
+            <a:off x="2362200" y="2781300"/>
+            <a:ext cx="914400" cy="228600"/>
+          </a:xfrm>
+          <a:prstGeom prst="straightConnector1">
+            <a:avLst/>
+          </a:prstGeom>
+          <a:ln>
+            <a:tailEnd type="arrow"/>
+          </a:ln>
+        </p:spPr>
+        <p:style>
+          <a:lnRef idx="1">
+            <a:schemeClr val="accent1"/>
+          </a:lnRef>
+          <a:fillRef idx="0">
+            <a:schemeClr val="accent1"/>
+          </a:fillRef>
+          <a:effectRef idx="0">
+            <a:schemeClr val="accent1"/>
+          </a:effectRef>
+          <a:fontRef idx="minor">
+            <a:schemeClr val="tx1"/>
+          </a:fontRef>
+        </p:style>
+      </p:cxnSp>
+    </p:spTree>
+  </p:cSld>
+  <p:clrMapOvr>
+    <a:masterClrMapping/>
+  </p:clrMapOvr>
+</p:sld>
+</file>
+
+<file path=ppt/slides/slide13.xml><?xml version="1.0" encoding="utf-8"?>
+<p:sld xmlns:a="http://schemas.openxmlformats.org/drawingml/2006/main" xmlns:r="http://schemas.openxmlformats.org/officeDocument/2006/relationships" xmlns:p="http://schemas.openxmlformats.org/presentationml/2006/main">
+  <p:cSld>
+    <p:spTree>
+      <p:nvGrpSpPr>
+        <p:cNvPr id="1" name=""/>
+        <p:cNvGrpSpPr/>
+        <p:nvPr/>
+      </p:nvGrpSpPr>
+      <p:grpSpPr>
+        <a:xfrm>
+          <a:off x="0" y="0"/>
+          <a:ext cx="0" cy="0"/>
+          <a:chOff x="0" y="0"/>
+          <a:chExt cx="0" cy="0"/>
+        </a:xfrm>
+      </p:grpSpPr>
+      <p:sp>
+        <p:nvSpPr>
+          <p:cNvPr id="2" name="Can 1"/>
+          <p:cNvSpPr/>
+          <p:nvPr/>
+        </p:nvSpPr>
+        <p:spPr>
+          <a:xfrm>
+            <a:off x="7391400" y="952500"/>
+            <a:ext cx="762000" cy="1066800"/>
+          </a:xfrm>
+          <a:prstGeom prst="can">
+            <a:avLst/>
+          </a:prstGeom>
+        </p:spPr>
+        <p:style>
+          <a:lnRef idx="2">
+            <a:schemeClr val="accent1">
+              <a:shade val="50000"/>
+            </a:schemeClr>
+          </a:lnRef>
+          <a:fillRef idx="1">
+            <a:schemeClr val="accent1"/>
+          </a:fillRef>
+          <a:effectRef idx="0">
+            <a:schemeClr val="accent1"/>
+          </a:effectRef>
+          <a:fontRef idx="minor">
+            <a:schemeClr val="lt1"/>
+          </a:fontRef>
+        </p:style>
+        <p:txBody>
+          <a:bodyPr rtlCol="0" anchor="ctr"/>
+          <a:lstStyle/>
+          <a:p>
+            <a:pPr algn="ctr"/>
+            <a:r>
+              <a:rPr lang="en-US" dirty="0" smtClean="0"/>
+              <a:t>db</a:t>
+            </a:r>
+            <a:endParaRPr lang="en-US" dirty="0"/>
+          </a:p>
+        </p:txBody>
+      </p:sp>
+      <p:sp>
+        <p:nvSpPr>
+          <p:cNvPr id="3" name="TextBox 2"/>
+          <p:cNvSpPr txBox="1"/>
+          <p:nvPr/>
+        </p:nvSpPr>
+        <p:spPr>
+          <a:xfrm>
+            <a:off x="7086600" y="2019300"/>
+            <a:ext cx="1527982" cy="369332"/>
+          </a:xfrm>
+          <a:prstGeom prst="rect">
+            <a:avLst/>
+          </a:prstGeom>
+          <a:noFill/>
+        </p:spPr>
+        <p:txBody>
+          <a:bodyPr wrap="none" rtlCol="0">
+            <a:spAutoFit/>
+          </a:bodyPr>
+          <a:lstStyle/>
+          <a:p>
+            <a:r>
+              <a:rPr lang="en-US" dirty="0" smtClean="0"/>
+              <a:t>201.102.45.03</a:t>
+            </a:r>
+            <a:endParaRPr lang="en-US" dirty="0"/>
+          </a:p>
+        </p:txBody>
+      </p:sp>
+      <p:sp>
+        <p:nvSpPr>
+          <p:cNvPr id="4" name="Rectangle 3"/>
+          <p:cNvSpPr/>
+          <p:nvPr/>
+        </p:nvSpPr>
+        <p:spPr>
+          <a:xfrm>
+            <a:off x="4267200" y="495300"/>
+            <a:ext cx="1524000" cy="990600"/>
+          </a:xfrm>
+          <a:prstGeom prst="rect">
+            <a:avLst/>
+          </a:prstGeom>
+        </p:spPr>
+        <p:style>
+          <a:lnRef idx="2">
+            <a:schemeClr val="accent1">
+              <a:shade val="50000"/>
+            </a:schemeClr>
+          </a:lnRef>
+          <a:fillRef idx="1">
+            <a:schemeClr val="accent1"/>
+          </a:fillRef>
+          <a:effectRef idx="0">
+            <a:schemeClr val="accent1"/>
+          </a:effectRef>
+          <a:fontRef idx="minor">
+            <a:schemeClr val="lt1"/>
+          </a:fontRef>
+        </p:style>
+        <p:txBody>
+          <a:bodyPr rtlCol="0" anchor="ctr"/>
+          <a:lstStyle/>
+          <a:p>
+            <a:pPr algn="ctr"/>
+            <a:r>
+              <a:rPr lang="en-US" dirty="0" smtClean="0"/>
+              <a:t>Tomcat:8080</a:t>
+            </a:r>
+            <a:endParaRPr lang="en-US" dirty="0"/>
+          </a:p>
+        </p:txBody>
+      </p:sp>
+      <p:sp>
+        <p:nvSpPr>
+          <p:cNvPr id="5" name="TextBox 4"/>
+          <p:cNvSpPr txBox="1"/>
+          <p:nvPr/>
+        </p:nvSpPr>
+        <p:spPr>
+          <a:xfrm>
+            <a:off x="4267200" y="1485900"/>
+            <a:ext cx="1527982" cy="369332"/>
+          </a:xfrm>
+          <a:prstGeom prst="rect">
+            <a:avLst/>
+          </a:prstGeom>
+          <a:noFill/>
+        </p:spPr>
+        <p:txBody>
+          <a:bodyPr wrap="none" rtlCol="0">
+            <a:spAutoFit/>
+          </a:bodyPr>
+          <a:lstStyle/>
+          <a:p>
+            <a:r>
+              <a:rPr lang="en-US" dirty="0" smtClean="0"/>
+              <a:t>201.102.45.04</a:t>
+            </a:r>
+            <a:endParaRPr lang="en-US" dirty="0"/>
+          </a:p>
+        </p:txBody>
+      </p:sp>
+      <p:cxnSp>
+        <p:nvCxnSpPr>
+          <p:cNvPr id="7" name="Straight Arrow Connector 6"/>
+          <p:cNvCxnSpPr>
+            <a:stCxn id="4" idx="3"/>
+            <a:endCxn id="2" idx="2"/>
+          </p:cNvCxnSpPr>
+          <p:nvPr/>
+        </p:nvCxnSpPr>
+        <p:spPr>
+          <a:xfrm>
+            <a:off x="5791200" y="990600"/>
+            <a:ext cx="1600200" cy="495300"/>
+          </a:xfrm>
+          <a:prstGeom prst="straightConnector1">
+            <a:avLst/>
+          </a:prstGeom>
+          <a:ln>
+            <a:tailEnd type="arrow"/>
+          </a:ln>
+        </p:spPr>
+        <p:style>
+          <a:lnRef idx="1">
+            <a:schemeClr val="accent1"/>
+          </a:lnRef>
+          <a:fillRef idx="0">
+            <a:schemeClr val="accent1"/>
+          </a:fillRef>
+          <a:effectRef idx="0">
+            <a:schemeClr val="accent1"/>
+          </a:effectRef>
+          <a:fontRef idx="minor">
+            <a:schemeClr val="tx1"/>
+          </a:fontRef>
+        </p:style>
+      </p:cxnSp>
+      <p:sp>
+        <p:nvSpPr>
+          <p:cNvPr id="8" name="Rectangle 7"/>
+          <p:cNvSpPr/>
+          <p:nvPr/>
+        </p:nvSpPr>
+        <p:spPr>
+          <a:xfrm>
+            <a:off x="4343400" y="1954768"/>
+            <a:ext cx="1524000" cy="990600"/>
+          </a:xfrm>
+          <a:prstGeom prst="rect">
+            <a:avLst/>
+          </a:prstGeom>
+        </p:spPr>
+        <p:style>
+          <a:lnRef idx="2">
+            <a:schemeClr val="accent1">
+              <a:shade val="50000"/>
+            </a:schemeClr>
+          </a:lnRef>
+          <a:fillRef idx="1">
+            <a:schemeClr val="accent1"/>
+          </a:fillRef>
+          <a:effectRef idx="0">
+            <a:schemeClr val="accent1"/>
+          </a:effectRef>
+          <a:fontRef idx="minor">
+            <a:schemeClr val="lt1"/>
+          </a:fontRef>
+        </p:style>
+        <p:txBody>
+          <a:bodyPr rtlCol="0" anchor="ctr"/>
+          <a:lstStyle/>
+          <a:p>
+            <a:pPr algn="ctr"/>
+            <a:r>
+              <a:rPr lang="en-US" dirty="0" smtClean="0"/>
+              <a:t>Tomcat:8080</a:t>
+            </a:r>
+            <a:endParaRPr lang="en-US" dirty="0"/>
+          </a:p>
+        </p:txBody>
+      </p:sp>
+      <p:sp>
+        <p:nvSpPr>
+          <p:cNvPr id="9" name="TextBox 8"/>
+          <p:cNvSpPr txBox="1"/>
+          <p:nvPr/>
+        </p:nvSpPr>
+        <p:spPr>
+          <a:xfrm>
+            <a:off x="4343400" y="2945368"/>
+            <a:ext cx="1527982" cy="369332"/>
+          </a:xfrm>
+          <a:prstGeom prst="rect">
+            <a:avLst/>
+          </a:prstGeom>
+          <a:noFill/>
+        </p:spPr>
+        <p:txBody>
+          <a:bodyPr wrap="none" rtlCol="0">
+            <a:spAutoFit/>
+          </a:bodyPr>
+          <a:lstStyle/>
+          <a:p>
+            <a:r>
+              <a:rPr lang="en-US" dirty="0" smtClean="0"/>
+              <a:t>201.102.45.05</a:t>
+            </a:r>
+            <a:endParaRPr lang="en-US" dirty="0"/>
+          </a:p>
+        </p:txBody>
+      </p:sp>
+      <p:cxnSp>
+        <p:nvCxnSpPr>
+          <p:cNvPr id="11" name="Straight Arrow Connector 10"/>
+          <p:cNvCxnSpPr>
+            <a:stCxn id="8" idx="3"/>
+            <a:endCxn id="2" idx="2"/>
+          </p:cNvCxnSpPr>
+          <p:nvPr/>
+        </p:nvCxnSpPr>
+        <p:spPr>
+          <a:xfrm flipV="1">
+            <a:off x="5867400" y="1485900"/>
+            <a:ext cx="1524000" cy="964168"/>
+          </a:xfrm>
+          <a:prstGeom prst="straightConnector1">
+            <a:avLst/>
+          </a:prstGeom>
+          <a:ln>
+            <a:tailEnd type="arrow"/>
+          </a:ln>
+        </p:spPr>
+        <p:style>
+          <a:lnRef idx="1">
+            <a:schemeClr val="accent1"/>
+          </a:lnRef>
+          <a:fillRef idx="0">
+            <a:schemeClr val="accent1"/>
+          </a:fillRef>
+          <a:effectRef idx="0">
+            <a:schemeClr val="accent1"/>
+          </a:effectRef>
+          <a:fontRef idx="minor">
+            <a:schemeClr val="tx1"/>
+          </a:fontRef>
+        </p:style>
+      </p:cxnSp>
+      <p:sp>
+        <p:nvSpPr>
+          <p:cNvPr id="12" name="Rectangle 11"/>
+          <p:cNvSpPr/>
+          <p:nvPr/>
+        </p:nvSpPr>
+        <p:spPr>
+          <a:xfrm>
+            <a:off x="1447800" y="952500"/>
+            <a:ext cx="1676400" cy="533400"/>
+          </a:xfrm>
+          <a:prstGeom prst="rect">
+            <a:avLst/>
+          </a:prstGeom>
+        </p:spPr>
+        <p:style>
+          <a:lnRef idx="2">
+            <a:schemeClr val="accent1">
+              <a:shade val="50000"/>
+            </a:schemeClr>
+          </a:lnRef>
+          <a:fillRef idx="1">
+            <a:schemeClr val="accent1"/>
+          </a:fillRef>
+          <a:effectRef idx="0">
+            <a:schemeClr val="accent1"/>
+          </a:effectRef>
+          <a:fontRef idx="minor">
+            <a:schemeClr val="lt1"/>
+          </a:fontRef>
+        </p:style>
+        <p:txBody>
+          <a:bodyPr rtlCol="0" anchor="ctr"/>
+          <a:lstStyle/>
+          <a:p>
+            <a:pPr algn="ctr"/>
+            <a:r>
+              <a:rPr lang="en-US" dirty="0" err="1" smtClean="0"/>
+              <a:t>Lb:haproxy</a:t>
+            </a:r>
+            <a:endParaRPr lang="en-US" dirty="0"/>
+          </a:p>
+        </p:txBody>
+      </p:sp>
+      <p:sp>
+        <p:nvSpPr>
+          <p:cNvPr id="13" name="TextBox 12"/>
+          <p:cNvSpPr txBox="1"/>
+          <p:nvPr/>
+        </p:nvSpPr>
+        <p:spPr>
+          <a:xfrm>
+            <a:off x="1371600" y="419100"/>
+            <a:ext cx="1941557" cy="646331"/>
+          </a:xfrm>
+          <a:prstGeom prst="rect">
+            <a:avLst/>
+          </a:prstGeom>
+          <a:noFill/>
+        </p:spPr>
+        <p:txBody>
+          <a:bodyPr wrap="none" rtlCol="0">
+            <a:spAutoFit/>
+          </a:bodyPr>
+          <a:lstStyle/>
+          <a:p>
+            <a:r>
+              <a:rPr lang="en-US" dirty="0" err="1" smtClean="0"/>
+              <a:t>eshop</a:t>
+            </a:r>
+            <a:endParaRPr lang="en-US" dirty="0" smtClean="0"/>
+          </a:p>
+          <a:p>
+            <a:r>
+              <a:rPr lang="en-US" dirty="0" smtClean="0"/>
+              <a:t>120.34.56.57:8888</a:t>
+            </a:r>
+            <a:endParaRPr lang="en-US" dirty="0"/>
+          </a:p>
+        </p:txBody>
+      </p:sp>
+      <p:cxnSp>
+        <p:nvCxnSpPr>
+          <p:cNvPr id="15" name="Straight Arrow Connector 14"/>
+          <p:cNvCxnSpPr>
+            <a:endCxn id="13" idx="1"/>
+          </p:cNvCxnSpPr>
+          <p:nvPr/>
+        </p:nvCxnSpPr>
+        <p:spPr>
+          <a:xfrm flipV="1">
+            <a:off x="457200" y="742266"/>
+            <a:ext cx="914400" cy="210234"/>
+          </a:xfrm>
+          <a:prstGeom prst="straightConnector1">
+            <a:avLst/>
+          </a:prstGeom>
+          <a:ln>
+            <a:tailEnd type="arrow"/>
+          </a:ln>
+        </p:spPr>
+        <p:style>
+          <a:lnRef idx="1">
+            <a:schemeClr val="accent1"/>
+          </a:lnRef>
+          <a:fillRef idx="0">
+            <a:schemeClr val="accent1"/>
+          </a:fillRef>
+          <a:effectRef idx="0">
+            <a:schemeClr val="accent1"/>
+          </a:effectRef>
+          <a:fontRef idx="minor">
+            <a:schemeClr val="tx1"/>
+          </a:fontRef>
+        </p:style>
+      </p:cxnSp>
+      <p:sp>
+        <p:nvSpPr>
+          <p:cNvPr id="16" name="TextBox 15"/>
+          <p:cNvSpPr txBox="1"/>
+          <p:nvPr/>
+        </p:nvSpPr>
+        <p:spPr>
+          <a:xfrm>
+            <a:off x="1447800" y="1714500"/>
+            <a:ext cx="2286000" cy="923330"/>
+          </a:xfrm>
+          <a:prstGeom prst="rect">
+            <a:avLst/>
+          </a:prstGeom>
+          <a:noFill/>
+        </p:spPr>
+        <p:txBody>
+          <a:bodyPr wrap="square" rtlCol="0">
+            <a:spAutoFit/>
+          </a:bodyPr>
+          <a:lstStyle/>
+          <a:p>
+            <a:r>
+              <a:rPr lang="en-US" dirty="0" smtClean="0"/>
+              <a:t>Backend: </a:t>
+            </a:r>
+            <a:r>
+              <a:rPr lang="en-US" dirty="0" err="1" smtClean="0"/>
+              <a:t>roundrobin</a:t>
+            </a:r>
+            <a:endParaRPr lang="en-US" dirty="0" smtClean="0"/>
+          </a:p>
+          <a:p>
+            <a:r>
+              <a:rPr lang="en-US" dirty="0" smtClean="0"/>
+              <a:t>201.102.45.04:8080</a:t>
+            </a:r>
+          </a:p>
+          <a:p>
+            <a:r>
+              <a:rPr lang="en-US" dirty="0" smtClean="0"/>
+              <a:t>201.102.45.05:8080</a:t>
+            </a:r>
+            <a:endParaRPr lang="en-US" dirty="0"/>
+          </a:p>
+        </p:txBody>
+      </p:sp>
+      <p:cxnSp>
+        <p:nvCxnSpPr>
+          <p:cNvPr id="18" name="Straight Arrow Connector 17"/>
+          <p:cNvCxnSpPr>
+            <a:stCxn id="12" idx="3"/>
+            <a:endCxn id="4" idx="1"/>
+          </p:cNvCxnSpPr>
+          <p:nvPr/>
+        </p:nvCxnSpPr>
+        <p:spPr>
+          <a:xfrm flipV="1">
+            <a:off x="3124200" y="990600"/>
+            <a:ext cx="1143000" cy="228600"/>
+          </a:xfrm>
+          <a:prstGeom prst="straightConnector1">
+            <a:avLst/>
+          </a:prstGeom>
+          <a:ln>
+            <a:tailEnd type="arrow"/>
+          </a:ln>
+        </p:spPr>
+        <p:style>
+          <a:lnRef idx="1">
+            <a:schemeClr val="accent1"/>
+          </a:lnRef>
+          <a:fillRef idx="0">
+            <a:schemeClr val="accent1"/>
+          </a:fillRef>
+          <a:effectRef idx="0">
+            <a:schemeClr val="accent1"/>
+          </a:effectRef>
+          <a:fontRef idx="minor">
+            <a:schemeClr val="tx1"/>
+          </a:fontRef>
+        </p:style>
+      </p:cxnSp>
+      <p:cxnSp>
+        <p:nvCxnSpPr>
+          <p:cNvPr id="20" name="Straight Arrow Connector 19"/>
+          <p:cNvCxnSpPr>
+            <a:stCxn id="12" idx="3"/>
+            <a:endCxn id="8" idx="1"/>
+          </p:cNvCxnSpPr>
+          <p:nvPr/>
+        </p:nvCxnSpPr>
+        <p:spPr>
+          <a:xfrm>
+            <a:off x="3124200" y="1219200"/>
+            <a:ext cx="1219200" cy="1230868"/>
+          </a:xfrm>
+          <a:prstGeom prst="straightConnector1">
+            <a:avLst/>
+          </a:prstGeom>
+          <a:ln>
+            <a:tailEnd type="arrow"/>
+          </a:ln>
+        </p:spPr>
+        <p:style>
+          <a:lnRef idx="1">
+            <a:schemeClr val="accent1"/>
+          </a:lnRef>
+          <a:fillRef idx="0">
+            <a:schemeClr val="accent1"/>
+          </a:fillRef>
+          <a:effectRef idx="0">
+            <a:schemeClr val="accent1"/>
+          </a:effectRef>
+          <a:fontRef idx="minor">
+            <a:schemeClr val="tx1"/>
+          </a:fontRef>
+        </p:style>
+      </p:cxnSp>
+      <p:sp>
+        <p:nvSpPr>
+          <p:cNvPr id="25" name="TextBox 24"/>
+          <p:cNvSpPr txBox="1"/>
+          <p:nvPr/>
+        </p:nvSpPr>
+        <p:spPr>
+          <a:xfrm>
+            <a:off x="2743200" y="4000500"/>
+            <a:ext cx="1941557" cy="369332"/>
+          </a:xfrm>
+          <a:prstGeom prst="rect">
+            <a:avLst/>
+          </a:prstGeom>
+          <a:noFill/>
+        </p:spPr>
+        <p:txBody>
+          <a:bodyPr wrap="none" rtlCol="0">
+            <a:spAutoFit/>
+          </a:bodyPr>
+          <a:lstStyle/>
+          <a:p>
+            <a:r>
+              <a:rPr lang="en-US" dirty="0" smtClean="0"/>
+              <a:t>120.34.56.57:8888</a:t>
+            </a:r>
+            <a:endParaRPr lang="en-US" dirty="0"/>
+          </a:p>
+        </p:txBody>
+      </p:sp>
+      <p:cxnSp>
+        <p:nvCxnSpPr>
+          <p:cNvPr id="27" name="Straight Arrow Connector 26"/>
+          <p:cNvCxnSpPr>
+            <a:stCxn id="25" idx="3"/>
+          </p:cNvCxnSpPr>
+          <p:nvPr/>
+        </p:nvCxnSpPr>
+        <p:spPr>
+          <a:xfrm flipV="1">
+            <a:off x="4684757" y="4152900"/>
+            <a:ext cx="1563643" cy="32266"/>
+          </a:xfrm>
+          <a:prstGeom prst="straightConnector1">
+            <a:avLst/>
+          </a:prstGeom>
+          <a:ln>
+            <a:tailEnd type="arrow"/>
+          </a:ln>
+        </p:spPr>
+        <p:style>
+          <a:lnRef idx="1">
+            <a:schemeClr val="accent1"/>
+          </a:lnRef>
+          <a:fillRef idx="0">
+            <a:schemeClr val="accent1"/>
+          </a:fillRef>
+          <a:effectRef idx="0">
+            <a:schemeClr val="accent1"/>
+          </a:effectRef>
+          <a:fontRef idx="minor">
+            <a:schemeClr val="tx1"/>
+          </a:fontRef>
+        </p:style>
+      </p:cxnSp>
+      <p:sp>
+        <p:nvSpPr>
+          <p:cNvPr id="29" name="TextBox 28"/>
+          <p:cNvSpPr txBox="1"/>
+          <p:nvPr/>
+        </p:nvSpPr>
+        <p:spPr>
+          <a:xfrm>
+            <a:off x="4876800" y="4000500"/>
+            <a:ext cx="1218475" cy="369332"/>
+          </a:xfrm>
+          <a:prstGeom prst="rect">
+            <a:avLst/>
+          </a:prstGeom>
+          <a:noFill/>
+        </p:spPr>
+        <p:txBody>
+          <a:bodyPr wrap="none" rtlCol="0">
+            <a:spAutoFit/>
+          </a:bodyPr>
+          <a:lstStyle/>
+          <a:p>
+            <a:r>
+              <a:rPr lang="en-US" dirty="0" smtClean="0"/>
+              <a:t>Rev lookup</a:t>
+            </a:r>
+            <a:endParaRPr lang="en-US" dirty="0"/>
+          </a:p>
+        </p:txBody>
+      </p:sp>
+      <p:sp>
+        <p:nvSpPr>
+          <p:cNvPr id="30" name="Rectangle 29"/>
+          <p:cNvSpPr/>
+          <p:nvPr/>
+        </p:nvSpPr>
+        <p:spPr>
+          <a:xfrm>
+            <a:off x="6324600" y="4000500"/>
+            <a:ext cx="2058577" cy="369332"/>
+          </a:xfrm>
+          <a:prstGeom prst="rect">
+            <a:avLst/>
+          </a:prstGeom>
+        </p:spPr>
+        <p:txBody>
+          <a:bodyPr wrap="none">
+            <a:spAutoFit/>
+          </a:bodyPr>
+          <a:lstStyle/>
+          <a:p>
+            <a:r>
+              <a:rPr lang="en-US" dirty="0" smtClean="0"/>
+              <a:t>201.102.45.04:8080</a:t>
+            </a:r>
+          </a:p>
+        </p:txBody>
+      </p:sp>
+      <p:sp>
+        <p:nvSpPr>
+          <p:cNvPr id="31" name="TextBox 30"/>
+          <p:cNvSpPr txBox="1"/>
+          <p:nvPr/>
+        </p:nvSpPr>
+        <p:spPr>
+          <a:xfrm>
+            <a:off x="76200" y="4000500"/>
+            <a:ext cx="1282723" cy="369332"/>
+          </a:xfrm>
+          <a:prstGeom prst="rect">
+            <a:avLst/>
+          </a:prstGeom>
+          <a:noFill/>
+        </p:spPr>
+        <p:txBody>
+          <a:bodyPr wrap="none" rtlCol="0">
+            <a:spAutoFit/>
+          </a:bodyPr>
+          <a:lstStyle/>
+          <a:p>
+            <a:r>
+              <a:rPr lang="en-US" dirty="0" smtClean="0"/>
+              <a:t>Eshop:8888</a:t>
+            </a:r>
+            <a:endParaRPr lang="en-US" dirty="0"/>
+          </a:p>
+        </p:txBody>
+      </p:sp>
+      <p:cxnSp>
+        <p:nvCxnSpPr>
+          <p:cNvPr id="33" name="Straight Arrow Connector 32"/>
+          <p:cNvCxnSpPr>
+            <a:stCxn id="31" idx="3"/>
+            <a:endCxn id="25" idx="1"/>
+          </p:cNvCxnSpPr>
+          <p:nvPr/>
+        </p:nvCxnSpPr>
+        <p:spPr>
+          <a:xfrm>
+            <a:off x="1358923" y="4185166"/>
+            <a:ext cx="1384277" cy="0"/>
+          </a:xfrm>
+          <a:prstGeom prst="straightConnector1">
+            <a:avLst/>
+          </a:prstGeom>
+          <a:ln>
+            <a:tailEnd type="arrow"/>
+          </a:ln>
+        </p:spPr>
+        <p:style>
+          <a:lnRef idx="1">
+            <a:schemeClr val="accent1"/>
+          </a:lnRef>
+          <a:fillRef idx="0">
+            <a:schemeClr val="accent1"/>
+          </a:fillRef>
+          <a:effectRef idx="0">
+            <a:schemeClr val="accent1"/>
+          </a:effectRef>
+          <a:fontRef idx="minor">
+            <a:schemeClr val="tx1"/>
+          </a:fontRef>
+        </p:style>
+      </p:cxnSp>
+      <p:sp>
+        <p:nvSpPr>
+          <p:cNvPr id="34" name="TextBox 33"/>
+          <p:cNvSpPr txBox="1"/>
+          <p:nvPr/>
+        </p:nvSpPr>
+        <p:spPr>
+          <a:xfrm>
+            <a:off x="1447800" y="3935968"/>
+            <a:ext cx="1233286" cy="369332"/>
+          </a:xfrm>
+          <a:prstGeom prst="rect">
+            <a:avLst/>
+          </a:prstGeom>
+          <a:noFill/>
+        </p:spPr>
+        <p:txBody>
+          <a:bodyPr wrap="none" rtlCol="0">
+            <a:spAutoFit/>
+          </a:bodyPr>
+          <a:lstStyle/>
+          <a:p>
+            <a:r>
+              <a:rPr lang="en-US" dirty="0" err="1" smtClean="0"/>
+              <a:t>Dns</a:t>
+            </a:r>
+            <a:r>
+              <a:rPr lang="en-US" dirty="0" smtClean="0"/>
+              <a:t> lookup</a:t>
+            </a:r>
+            <a:endParaRPr lang="en-US" dirty="0"/>
+          </a:p>
+        </p:txBody>
+      </p:sp>
+      <p:sp>
+        <p:nvSpPr>
+          <p:cNvPr id="42" name="Rectangle 41"/>
+          <p:cNvSpPr/>
+          <p:nvPr/>
+        </p:nvSpPr>
+        <p:spPr>
+          <a:xfrm>
+            <a:off x="2819400" y="4457700"/>
+            <a:ext cx="2058577" cy="369332"/>
+          </a:xfrm>
+          <a:prstGeom prst="rect">
+            <a:avLst/>
+          </a:prstGeom>
+        </p:spPr>
+        <p:txBody>
+          <a:bodyPr wrap="none">
+            <a:spAutoFit/>
+          </a:bodyPr>
+          <a:lstStyle/>
+          <a:p>
+            <a:r>
+              <a:rPr lang="en-US" dirty="0" smtClean="0"/>
+              <a:t>10.105.197.15:8888</a:t>
+            </a:r>
+            <a:endParaRPr lang="en-US" dirty="0"/>
+          </a:p>
+        </p:txBody>
+      </p:sp>
+      <p:cxnSp>
+        <p:nvCxnSpPr>
+          <p:cNvPr id="43" name="Straight Arrow Connector 42"/>
+          <p:cNvCxnSpPr/>
+          <p:nvPr/>
+        </p:nvCxnSpPr>
+        <p:spPr>
+          <a:xfrm flipV="1">
+            <a:off x="4837157" y="4621768"/>
+            <a:ext cx="1563643" cy="32266"/>
+          </a:xfrm>
+          <a:prstGeom prst="straightConnector1">
+            <a:avLst/>
+          </a:prstGeom>
+          <a:ln>
+            <a:tailEnd type="arrow"/>
+          </a:ln>
+        </p:spPr>
+        <p:style>
+          <a:lnRef idx="1">
+            <a:schemeClr val="accent1"/>
+          </a:lnRef>
+          <a:fillRef idx="0">
+            <a:schemeClr val="accent1"/>
+          </a:fillRef>
+          <a:effectRef idx="0">
+            <a:schemeClr val="accent1"/>
+          </a:effectRef>
+          <a:fontRef idx="minor">
+            <a:schemeClr val="tx1"/>
+          </a:fontRef>
+        </p:style>
+      </p:cxnSp>
+      <p:sp>
+        <p:nvSpPr>
+          <p:cNvPr id="44" name="TextBox 43"/>
+          <p:cNvSpPr txBox="1"/>
+          <p:nvPr/>
+        </p:nvSpPr>
+        <p:spPr>
+          <a:xfrm>
+            <a:off x="5029200" y="4469368"/>
+            <a:ext cx="1218475" cy="369332"/>
+          </a:xfrm>
+          <a:prstGeom prst="rect">
+            <a:avLst/>
+          </a:prstGeom>
+          <a:noFill/>
+        </p:spPr>
+        <p:txBody>
+          <a:bodyPr wrap="none" rtlCol="0">
+            <a:spAutoFit/>
+          </a:bodyPr>
+          <a:lstStyle/>
+          <a:p>
+            <a:r>
+              <a:rPr lang="en-US" dirty="0" smtClean="0"/>
+              <a:t>Rev lookup</a:t>
+            </a:r>
+            <a:endParaRPr lang="en-US" dirty="0"/>
+          </a:p>
+        </p:txBody>
+      </p:sp>
+      <p:sp>
+        <p:nvSpPr>
+          <p:cNvPr id="45" name="Rectangle 44"/>
+          <p:cNvSpPr/>
+          <p:nvPr/>
+        </p:nvSpPr>
+        <p:spPr>
+          <a:xfrm>
+            <a:off x="6400800" y="4381500"/>
+            <a:ext cx="1648208" cy="369332"/>
+          </a:xfrm>
+          <a:prstGeom prst="rect">
+            <a:avLst/>
+          </a:prstGeom>
+        </p:spPr>
+        <p:txBody>
+          <a:bodyPr wrap="none">
+            <a:spAutoFit/>
+          </a:bodyPr>
+          <a:lstStyle/>
+          <a:p>
+            <a:r>
+              <a:rPr lang="en-US" dirty="0" smtClean="0"/>
+              <a:t>172.17.0.10:80,</a:t>
             </a:r>
             <a:endParaRPr lang="en-US" dirty="0"/>
           </a:p>
